--- a/Themenstellung.pptx
+++ b/Themenstellung.pptx
@@ -8,28 +8,31 @@
     <p:sldMasterId id="2147483674" r:id="rId4"/>
   </p:sldMasterIdLst>
   <p:notesMasterIdLst>
-    <p:notesMasterId r:id="rId16"/>
+    <p:notesMasterId r:id="rId19"/>
   </p:notesMasterIdLst>
   <p:handoutMasterIdLst>
-    <p:handoutMasterId r:id="rId17"/>
+    <p:handoutMasterId r:id="rId20"/>
   </p:handoutMasterIdLst>
   <p:sldIdLst>
     <p:sldId id="256" r:id="rId5"/>
-    <p:sldId id="265" r:id="rId6"/>
+    <p:sldId id="268" r:id="rId6"/>
     <p:sldId id="263" r:id="rId7"/>
-    <p:sldId id="257" r:id="rId8"/>
+    <p:sldId id="307" r:id="rId8"/>
     <p:sldId id="258" r:id="rId9"/>
-    <p:sldId id="259" r:id="rId10"/>
+    <p:sldId id="308" r:id="rId10"/>
     <p:sldId id="261" r:id="rId11"/>
     <p:sldId id="264" r:id="rId12"/>
     <p:sldId id="262" r:id="rId13"/>
     <p:sldId id="260" r:id="rId14"/>
-    <p:sldId id="266" r:id="rId15"/>
+    <p:sldId id="309" r:id="rId15"/>
+    <p:sldId id="267" r:id="rId16"/>
+    <p:sldId id="310" r:id="rId17"/>
+    <p:sldId id="266" r:id="rId18"/>
   </p:sldIdLst>
   <p:sldSz cx="12192000" cy="6858000"/>
   <p:notesSz cx="6797675" cy="9926638"/>
   <p:custDataLst>
-    <p:tags r:id="rId18"/>
+    <p:tags r:id="rId21"/>
   </p:custDataLst>
   <p:defaultTextStyle>
     <a:defPPr>
@@ -349,7 +352,7 @@
             <a:fld id="{3B1880FF-5A4E-4F25-9CEE-0D75F7C3E5E1}" type="datetimeFigureOut">
               <a:rPr lang="de-DE" smtClean="0"/>
               <a:pPr/>
-              <a:t>26.03.2021</a:t>
+              <a:t>27.03.2021</a:t>
             </a:fld>
             <a:endParaRPr lang="de-DE"/>
           </a:p>
@@ -449,7 +452,7 @@
             <a:fld id="{4D31F1D7-8377-4A76-8F5D-3E76EEE25737}" type="datetimeFigureOut">
               <a:rPr lang="de-DE" smtClean="0"/>
               <a:pPr/>
-              <a:t>26.03.2021</a:t>
+              <a:t>27.03.2021</a:t>
             </a:fld>
             <a:endParaRPr lang="de-DE"/>
           </a:p>
@@ -799,6 +802,91 @@
 </p:notes>
 </file>
 
+<file path=ppt/notesSlides/notesSlide10.xml><?xml version="1.0" encoding="utf-8"?>
+<p:notes xmlns:a="http://schemas.openxmlformats.org/drawingml/2006/main" xmlns:r="http://schemas.openxmlformats.org/officeDocument/2006/relationships" xmlns:p="http://schemas.openxmlformats.org/presentationml/2006/main">
+  <p:cSld>
+    <p:spTree>
+      <p:nvGrpSpPr>
+        <p:cNvPr id="1" name=""/>
+        <p:cNvGrpSpPr/>
+        <p:nvPr/>
+      </p:nvGrpSpPr>
+      <p:grpSpPr>
+        <a:xfrm>
+          <a:off x="0" y="0"/>
+          <a:ext cx="0" cy="0"/>
+          <a:chOff x="0" y="0"/>
+          <a:chExt cx="0" cy="0"/>
+        </a:xfrm>
+      </p:grpSpPr>
+      <p:sp>
+        <p:nvSpPr>
+          <p:cNvPr id="2" name="Folienbildplatzhalter 1"/>
+          <p:cNvSpPr>
+            <a:spLocks noGrp="1" noRot="1" noChangeAspect="1"/>
+          </p:cNvSpPr>
+          <p:nvPr>
+            <p:ph type="sldImg"/>
+          </p:nvPr>
+        </p:nvSpPr>
+        <p:spPr/>
+      </p:sp>
+      <p:sp>
+        <p:nvSpPr>
+          <p:cNvPr id="3" name="Notizenplatzhalter 2"/>
+          <p:cNvSpPr>
+            <a:spLocks noGrp="1"/>
+          </p:cNvSpPr>
+          <p:nvPr>
+            <p:ph type="body" idx="1"/>
+          </p:nvPr>
+        </p:nvSpPr>
+        <p:spPr/>
+        <p:txBody>
+          <a:bodyPr/>
+          <a:lstStyle/>
+          <a:p>
+            <a:endParaRPr lang="en-US" dirty="0"/>
+          </a:p>
+        </p:txBody>
+      </p:sp>
+      <p:sp>
+        <p:nvSpPr>
+          <p:cNvPr id="4" name="Foliennummernplatzhalter 3"/>
+          <p:cNvSpPr>
+            <a:spLocks noGrp="1"/>
+          </p:cNvSpPr>
+          <p:nvPr>
+            <p:ph type="sldNum" sz="quarter" idx="10"/>
+          </p:nvPr>
+        </p:nvSpPr>
+        <p:spPr/>
+        <p:txBody>
+          <a:bodyPr/>
+          <a:lstStyle/>
+          <a:p>
+            <a:fld id="{45A0C133-2FF1-4A65-8FB9-994063EC256F}" type="slidenum">
+              <a:rPr lang="de-DE" smtClean="0"/>
+              <a:pPr/>
+              <a:t>13</a:t>
+            </a:fld>
+            <a:endParaRPr lang="de-DE"/>
+          </a:p>
+        </p:txBody>
+      </p:sp>
+    </p:spTree>
+    <p:extLst>
+      <p:ext uri="{BB962C8B-B14F-4D97-AF65-F5344CB8AC3E}">
+        <p14:creationId xmlns:p14="http://schemas.microsoft.com/office/powerpoint/2010/main" val="3698642320"/>
+      </p:ext>
+    </p:extLst>
+  </p:cSld>
+  <p:clrMapOvr>
+    <a:masterClrMapping/>
+  </p:clrMapOvr>
+</p:notes>
+</file>
+
 <file path=ppt/notesSlides/notesSlide2.xml><?xml version="1.0" encoding="utf-8"?>
 <p:notes xmlns:a="http://schemas.openxmlformats.org/drawingml/2006/main" xmlns:r="http://schemas.openxmlformats.org/officeDocument/2006/relationships" xmlns:p="http://schemas.openxmlformats.org/presentationml/2006/main">
   <p:cSld>
@@ -843,7 +931,7 @@
           <a:bodyPr/>
           <a:lstStyle/>
           <a:p>
-            <a:endParaRPr lang="LID4096" dirty="0"/>
+            <a:endParaRPr lang="en-US"/>
           </a:p>
         </p:txBody>
       </p:sp>
@@ -854,7 +942,7 @@
             <a:spLocks noGrp="1"/>
           </p:cNvSpPr>
           <p:nvPr>
-            <p:ph type="sldNum" sz="quarter" idx="5"/>
+            <p:ph type="sldNum" sz="quarter" idx="10"/>
           </p:nvPr>
         </p:nvSpPr>
         <p:spPr/>
@@ -874,7 +962,7 @@
     </p:spTree>
     <p:extLst>
       <p:ext uri="{BB962C8B-B14F-4D97-AF65-F5344CB8AC3E}">
-        <p14:creationId xmlns:p14="http://schemas.microsoft.com/office/powerpoint/2010/main" val="1682785099"/>
+        <p14:creationId xmlns:p14="http://schemas.microsoft.com/office/powerpoint/2010/main" val="3476496980"/>
       </p:ext>
     </p:extLst>
   </p:cSld>
@@ -1013,7 +1101,7 @@
           <a:bodyPr/>
           <a:lstStyle/>
           <a:p>
-            <a:endParaRPr lang="LID4096" dirty="0"/>
+            <a:endParaRPr lang="de-DE" dirty="0"/>
           </a:p>
         </p:txBody>
       </p:sp>
@@ -1024,7 +1112,7 @@
             <a:spLocks noGrp="1"/>
           </p:cNvSpPr>
           <p:nvPr>
-            <p:ph type="sldNum" sz="quarter" idx="5"/>
+            <p:ph type="sldNum" sz="quarter" idx="10"/>
           </p:nvPr>
         </p:nvSpPr>
         <p:spPr/>
@@ -1044,7 +1132,7 @@
     </p:spTree>
     <p:extLst>
       <p:ext uri="{BB962C8B-B14F-4D97-AF65-F5344CB8AC3E}">
-        <p14:creationId xmlns:p14="http://schemas.microsoft.com/office/powerpoint/2010/main" val="1648957977"/>
+        <p14:creationId xmlns:p14="http://schemas.microsoft.com/office/powerpoint/2010/main" val="3072108615"/>
       </p:ext>
     </p:extLst>
   </p:cSld>
@@ -1183,7 +1271,7 @@
           <a:bodyPr/>
           <a:lstStyle/>
           <a:p>
-            <a:endParaRPr lang="LID4096" dirty="0"/>
+            <a:endParaRPr lang="en-US"/>
           </a:p>
         </p:txBody>
       </p:sp>
@@ -1194,7 +1282,7 @@
             <a:spLocks noGrp="1"/>
           </p:cNvSpPr>
           <p:nvPr>
-            <p:ph type="sldNum" sz="quarter" idx="5"/>
+            <p:ph type="sldNum" sz="quarter" idx="10"/>
           </p:nvPr>
         </p:nvSpPr>
         <p:spPr/>
@@ -1205,7 +1293,7 @@
             <a:fld id="{45A0C133-2FF1-4A65-8FB9-994063EC256F}" type="slidenum">
               <a:rPr lang="de-DE" smtClean="0"/>
               <a:pPr/>
-              <a:t>7</a:t>
+              <a:t>6</a:t>
             </a:fld>
             <a:endParaRPr lang="de-DE"/>
           </a:p>
@@ -1214,7 +1302,7 @@
     </p:spTree>
     <p:extLst>
       <p:ext uri="{BB962C8B-B14F-4D97-AF65-F5344CB8AC3E}">
-        <p14:creationId xmlns:p14="http://schemas.microsoft.com/office/powerpoint/2010/main" val="89517435"/>
+        <p14:creationId xmlns:p14="http://schemas.microsoft.com/office/powerpoint/2010/main" val="2254566216"/>
       </p:ext>
     </p:extLst>
   </p:cSld>
@@ -1290,6 +1378,91 @@
             <a:fld id="{45A0C133-2FF1-4A65-8FB9-994063EC256F}" type="slidenum">
               <a:rPr lang="de-DE" smtClean="0"/>
               <a:pPr/>
+              <a:t>7</a:t>
+            </a:fld>
+            <a:endParaRPr lang="de-DE"/>
+          </a:p>
+        </p:txBody>
+      </p:sp>
+    </p:spTree>
+    <p:extLst>
+      <p:ext uri="{BB962C8B-B14F-4D97-AF65-F5344CB8AC3E}">
+        <p14:creationId xmlns:p14="http://schemas.microsoft.com/office/powerpoint/2010/main" val="89517435"/>
+      </p:ext>
+    </p:extLst>
+  </p:cSld>
+  <p:clrMapOvr>
+    <a:masterClrMapping/>
+  </p:clrMapOvr>
+</p:notes>
+</file>
+
+<file path=ppt/notesSlides/notesSlide8.xml><?xml version="1.0" encoding="utf-8"?>
+<p:notes xmlns:a="http://schemas.openxmlformats.org/drawingml/2006/main" xmlns:r="http://schemas.openxmlformats.org/officeDocument/2006/relationships" xmlns:p="http://schemas.openxmlformats.org/presentationml/2006/main">
+  <p:cSld>
+    <p:spTree>
+      <p:nvGrpSpPr>
+        <p:cNvPr id="1" name=""/>
+        <p:cNvGrpSpPr/>
+        <p:nvPr/>
+      </p:nvGrpSpPr>
+      <p:grpSpPr>
+        <a:xfrm>
+          <a:off x="0" y="0"/>
+          <a:ext cx="0" cy="0"/>
+          <a:chOff x="0" y="0"/>
+          <a:chExt cx="0" cy="0"/>
+        </a:xfrm>
+      </p:grpSpPr>
+      <p:sp>
+        <p:nvSpPr>
+          <p:cNvPr id="2" name="Folienbildplatzhalter 1"/>
+          <p:cNvSpPr>
+            <a:spLocks noGrp="1" noRot="1" noChangeAspect="1"/>
+          </p:cNvSpPr>
+          <p:nvPr>
+            <p:ph type="sldImg"/>
+          </p:nvPr>
+        </p:nvSpPr>
+        <p:spPr/>
+      </p:sp>
+      <p:sp>
+        <p:nvSpPr>
+          <p:cNvPr id="3" name="Notizenplatzhalter 2"/>
+          <p:cNvSpPr>
+            <a:spLocks noGrp="1"/>
+          </p:cNvSpPr>
+          <p:nvPr>
+            <p:ph type="body" idx="1"/>
+          </p:nvPr>
+        </p:nvSpPr>
+        <p:spPr/>
+        <p:txBody>
+          <a:bodyPr/>
+          <a:lstStyle/>
+          <a:p>
+            <a:endParaRPr lang="LID4096" dirty="0"/>
+          </a:p>
+        </p:txBody>
+      </p:sp>
+      <p:sp>
+        <p:nvSpPr>
+          <p:cNvPr id="4" name="Foliennummernplatzhalter 3"/>
+          <p:cNvSpPr>
+            <a:spLocks noGrp="1"/>
+          </p:cNvSpPr>
+          <p:nvPr>
+            <p:ph type="sldNum" sz="quarter" idx="5"/>
+          </p:nvPr>
+        </p:nvSpPr>
+        <p:spPr/>
+        <p:txBody>
+          <a:bodyPr/>
+          <a:lstStyle/>
+          <a:p>
+            <a:fld id="{45A0C133-2FF1-4A65-8FB9-994063EC256F}" type="slidenum">
+              <a:rPr lang="de-DE" smtClean="0"/>
+              <a:pPr/>
               <a:t>10</a:t>
             </a:fld>
             <a:endParaRPr lang="de-DE"/>
@@ -1300,6 +1473,91 @@
     <p:extLst>
       <p:ext uri="{BB962C8B-B14F-4D97-AF65-F5344CB8AC3E}">
         <p14:creationId xmlns:p14="http://schemas.microsoft.com/office/powerpoint/2010/main" val="793798481"/>
+      </p:ext>
+    </p:extLst>
+  </p:cSld>
+  <p:clrMapOvr>
+    <a:masterClrMapping/>
+  </p:clrMapOvr>
+</p:notes>
+</file>
+
+<file path=ppt/notesSlides/notesSlide9.xml><?xml version="1.0" encoding="utf-8"?>
+<p:notes xmlns:a="http://schemas.openxmlformats.org/drawingml/2006/main" xmlns:r="http://schemas.openxmlformats.org/officeDocument/2006/relationships" xmlns:p="http://schemas.openxmlformats.org/presentationml/2006/main">
+  <p:cSld>
+    <p:spTree>
+      <p:nvGrpSpPr>
+        <p:cNvPr id="1" name=""/>
+        <p:cNvGrpSpPr/>
+        <p:nvPr/>
+      </p:nvGrpSpPr>
+      <p:grpSpPr>
+        <a:xfrm>
+          <a:off x="0" y="0"/>
+          <a:ext cx="0" cy="0"/>
+          <a:chOff x="0" y="0"/>
+          <a:chExt cx="0" cy="0"/>
+        </a:xfrm>
+      </p:grpSpPr>
+      <p:sp>
+        <p:nvSpPr>
+          <p:cNvPr id="2" name="Folienbildplatzhalter 1"/>
+          <p:cNvSpPr>
+            <a:spLocks noGrp="1" noRot="1" noChangeAspect="1"/>
+          </p:cNvSpPr>
+          <p:nvPr>
+            <p:ph type="sldImg"/>
+          </p:nvPr>
+        </p:nvSpPr>
+        <p:spPr/>
+      </p:sp>
+      <p:sp>
+        <p:nvSpPr>
+          <p:cNvPr id="3" name="Notizenplatzhalter 2"/>
+          <p:cNvSpPr>
+            <a:spLocks noGrp="1"/>
+          </p:cNvSpPr>
+          <p:nvPr>
+            <p:ph type="body" idx="1"/>
+          </p:nvPr>
+        </p:nvSpPr>
+        <p:spPr/>
+        <p:txBody>
+          <a:bodyPr/>
+          <a:lstStyle/>
+          <a:p>
+            <a:endParaRPr lang="en-US" dirty="0"/>
+          </a:p>
+        </p:txBody>
+      </p:sp>
+      <p:sp>
+        <p:nvSpPr>
+          <p:cNvPr id="4" name="Foliennummernplatzhalter 3"/>
+          <p:cNvSpPr>
+            <a:spLocks noGrp="1"/>
+          </p:cNvSpPr>
+          <p:nvPr>
+            <p:ph type="sldNum" sz="quarter" idx="10"/>
+          </p:nvPr>
+        </p:nvSpPr>
+        <p:spPr/>
+        <p:txBody>
+          <a:bodyPr/>
+          <a:lstStyle/>
+          <a:p>
+            <a:fld id="{45A0C133-2FF1-4A65-8FB9-994063EC256F}" type="slidenum">
+              <a:rPr lang="de-DE" smtClean="0"/>
+              <a:pPr/>
+              <a:t>11</a:t>
+            </a:fld>
+            <a:endParaRPr lang="de-DE"/>
+          </a:p>
+        </p:txBody>
+      </p:sp>
+    </p:spTree>
+    <p:extLst>
+      <p:ext uri="{BB962C8B-B14F-4D97-AF65-F5344CB8AC3E}">
+        <p14:creationId xmlns:p14="http://schemas.microsoft.com/office/powerpoint/2010/main" val="2743334740"/>
       </p:ext>
     </p:extLst>
   </p:cSld>
@@ -11196,7 +11454,7 @@
           <a:p>
             <a:r>
               <a:rPr lang="de-DE" dirty="0"/>
-              <a:t>Modulare PDU Aufbau</a:t>
+              <a:t>Modulare Energieverteilung im Bordnetz</a:t>
             </a:r>
           </a:p>
         </p:txBody>
@@ -16023,6 +16281,50 @@
           </a:p>
         </p:txBody>
       </p:sp>
+      <p:sp>
+        <p:nvSpPr>
+          <p:cNvPr id="126" name="Textfeld 125">
+            <a:extLst>
+              <a:ext uri="{FF2B5EF4-FFF2-40B4-BE49-F238E27FC236}">
+                <a16:creationId xmlns:a16="http://schemas.microsoft.com/office/drawing/2014/main" id="{2FBB73E7-572F-4A39-BDFA-52312C4B89D8}"/>
+              </a:ext>
+            </a:extLst>
+          </p:cNvPr>
+          <p:cNvSpPr txBox="1"/>
+          <p:nvPr/>
+        </p:nvSpPr>
+        <p:spPr>
+          <a:xfrm>
+            <a:off x="240164" y="732848"/>
+            <a:ext cx="2967479" cy="369332"/>
+          </a:xfrm>
+          <a:prstGeom prst="rect">
+            <a:avLst/>
+          </a:prstGeom>
+          <a:noFill/>
+        </p:spPr>
+        <p:txBody>
+          <a:bodyPr wrap="none" rtlCol="0">
+            <a:spAutoFit/>
+          </a:bodyPr>
+          <a:lstStyle/>
+          <a:p>
+            <a:r>
+              <a:rPr lang="de-DE" b="1" dirty="0">
+                <a:solidFill>
+                  <a:schemeClr val="bg2"/>
+                </a:solidFill>
+              </a:rPr>
+              <a:t>Hardware: modulare PDU</a:t>
+            </a:r>
+            <a:endParaRPr lang="LID4096" b="1" dirty="0">
+              <a:solidFill>
+                <a:schemeClr val="bg2"/>
+              </a:solidFill>
+            </a:endParaRPr>
+          </a:p>
+        </p:txBody>
+      </p:sp>
     </p:spTree>
     <p:extLst>
       <p:ext uri="{BB962C8B-B14F-4D97-AF65-F5344CB8AC3E}">
@@ -16037,6 +16339,891 @@
 </file>
 
 <file path=ppt/slides/slide11.xml><?xml version="1.0" encoding="utf-8"?>
+<p:sld xmlns:a="http://schemas.openxmlformats.org/drawingml/2006/main" xmlns:r="http://schemas.openxmlformats.org/officeDocument/2006/relationships" xmlns:p="http://schemas.openxmlformats.org/presentationml/2006/main">
+  <p:cSld>
+    <p:spTree>
+      <p:nvGrpSpPr>
+        <p:cNvPr id="1" name=""/>
+        <p:cNvGrpSpPr/>
+        <p:nvPr/>
+      </p:nvGrpSpPr>
+      <p:grpSpPr>
+        <a:xfrm>
+          <a:off x="0" y="0"/>
+          <a:ext cx="0" cy="0"/>
+          <a:chOff x="0" y="0"/>
+          <a:chExt cx="0" cy="0"/>
+        </a:xfrm>
+      </p:grpSpPr>
+      <p:graphicFrame>
+        <p:nvGraphicFramePr>
+          <p:cNvPr id="10" name="Objekt 9" hidden="1"/>
+          <p:cNvGraphicFramePr>
+            <a:graphicFrameLocks noChangeAspect="1"/>
+          </p:cNvGraphicFramePr>
+          <p:nvPr>
+            <p:custDataLst>
+              <p:tags r:id="rId1"/>
+            </p:custDataLst>
+          </p:nvPr>
+        </p:nvGraphicFramePr>
+        <p:xfrm>
+          <a:off x="1525588" y="1589"/>
+          <a:ext cx="1587" cy="1587"/>
+        </p:xfrm>
+        <a:graphic>
+          <a:graphicData uri="http://schemas.openxmlformats.org/presentationml/2006/ole">
+            <mc:AlternateContent xmlns:mc="http://schemas.openxmlformats.org/markup-compatibility/2006">
+              <mc:Choice xmlns:v="urn:schemas-microsoft-com:vml" Requires="v">
+                <p:oleObj name="think-cell Folie" r:id="rId4" imgW="360" imgH="360" progId="TCLayout.ActiveDocument.1">
+                  <p:embed/>
+                </p:oleObj>
+              </mc:Choice>
+              <mc:Fallback>
+                <p:oleObj name="think-cell Folie" r:id="rId4" imgW="360" imgH="360" progId="TCLayout.ActiveDocument.1">
+                  <p:embed/>
+                  <p:pic>
+                    <p:nvPicPr>
+                      <p:cNvPr id="10" name="Objekt 9" hidden="1"/>
+                      <p:cNvPicPr>
+                        <a:picLocks noChangeAspect="1" noChangeArrowheads="1"/>
+                      </p:cNvPicPr>
+                      <p:nvPr/>
+                    </p:nvPicPr>
+                    <p:blipFill>
+                      <a:blip r:embed="rId5">
+                        <a:extLst>
+                          <a:ext uri="{28A0092B-C50C-407E-A947-70E740481C1C}">
+                            <a14:useLocalDpi xmlns:a14="http://schemas.microsoft.com/office/drawing/2010/main" val="0"/>
+                          </a:ext>
+                        </a:extLst>
+                      </a:blip>
+                      <a:srcRect/>
+                      <a:stretch>
+                        <a:fillRect/>
+                      </a:stretch>
+                    </p:blipFill>
+                    <p:spPr bwMode="auto">
+                      <a:xfrm>
+                        <a:off x="1525588" y="1589"/>
+                        <a:ext cx="1587" cy="1587"/>
+                      </a:xfrm>
+                      <a:prstGeom prst="rect">
+                        <a:avLst/>
+                      </a:prstGeom>
+                      <a:noFill/>
+                      <a:extLst>
+                        <a:ext uri="{909E8E84-426E-40DD-AFC4-6F175D3DCCD1}">
+                          <a14:hiddenFill xmlns:a14="http://schemas.microsoft.com/office/drawing/2010/main">
+                            <a:solidFill>
+                              <a:srgbClr val="FFFFFF"/>
+                            </a:solidFill>
+                          </a14:hiddenFill>
+                        </a:ext>
+                      </a:extLst>
+                    </p:spPr>
+                  </p:pic>
+                </p:oleObj>
+              </mc:Fallback>
+            </mc:AlternateContent>
+          </a:graphicData>
+        </a:graphic>
+      </p:graphicFrame>
+      <p:grpSp>
+        <p:nvGrpSpPr>
+          <p:cNvPr id="6" name="Highlight"/>
+          <p:cNvGrpSpPr>
+            <a:grpSpLocks/>
+          </p:cNvGrpSpPr>
+          <p:nvPr/>
+        </p:nvGrpSpPr>
+        <p:grpSpPr bwMode="auto">
+          <a:xfrm>
+            <a:off x="330200" y="2508250"/>
+            <a:ext cx="11518900" cy="288776"/>
+            <a:chOff x="342" y="1063"/>
+            <a:chExt cx="4329" cy="276"/>
+          </a:xfrm>
+        </p:grpSpPr>
+        <p:sp>
+          <p:nvSpPr>
+            <p:cNvPr id="7" name="Rectangle 1042"/>
+            <p:cNvSpPr>
+              <a:spLocks noChangeArrowheads="1"/>
+            </p:cNvSpPr>
+            <p:nvPr/>
+          </p:nvSpPr>
+          <p:spPr bwMode="auto">
+            <a:xfrm>
+              <a:off x="342" y="1063"/>
+              <a:ext cx="3118" cy="276"/>
+            </a:xfrm>
+            <a:prstGeom prst="rect">
+              <a:avLst/>
+            </a:prstGeom>
+            <a:solidFill>
+              <a:srgbClr val="FFFF00"/>
+            </a:solidFill>
+            <a:ln w="7239">
+              <a:noFill/>
+              <a:miter lim="800000"/>
+              <a:headEnd/>
+              <a:tailEnd/>
+            </a:ln>
+          </p:spPr>
+          <p:txBody>
+            <a:bodyPr wrap="none" anchor="ctr"/>
+            <a:lstStyle/>
+            <a:p>
+              <a:pPr algn="r" eaLnBrk="0" hangingPunct="0"/>
+              <a:endParaRPr lang="de-DE" dirty="0"/>
+            </a:p>
+          </p:txBody>
+        </p:sp>
+        <p:sp>
+          <p:nvSpPr>
+            <p:cNvPr id="8" name="Rectangle 1043"/>
+            <p:cNvSpPr>
+              <a:spLocks noChangeArrowheads="1"/>
+            </p:cNvSpPr>
+            <p:nvPr/>
+          </p:nvSpPr>
+          <p:spPr bwMode="auto">
+            <a:xfrm>
+              <a:off x="3460" y="1063"/>
+              <a:ext cx="1211" cy="276"/>
+            </a:xfrm>
+            <a:prstGeom prst="rect">
+              <a:avLst/>
+            </a:prstGeom>
+            <a:gradFill flip="none" rotWithShape="1">
+              <a:gsLst>
+                <a:gs pos="0">
+                  <a:srgbClr val="FFFF00"/>
+                </a:gs>
+                <a:gs pos="100000">
+                  <a:srgbClr val="FFFFFF"/>
+                </a:gs>
+              </a:gsLst>
+              <a:lin ang="0" scaled="1"/>
+              <a:tileRect/>
+            </a:gradFill>
+            <a:ln w="7239">
+              <a:noFill/>
+              <a:miter lim="800000"/>
+              <a:headEnd/>
+              <a:tailEnd/>
+            </a:ln>
+          </p:spPr>
+          <p:txBody>
+            <a:bodyPr wrap="none" anchor="ctr"/>
+            <a:lstStyle/>
+            <a:p>
+              <a:pPr algn="r" eaLnBrk="0" hangingPunct="0"/>
+              <a:endParaRPr lang="de-DE" dirty="0"/>
+            </a:p>
+          </p:txBody>
+        </p:sp>
+      </p:grpSp>
+      <p:sp>
+        <p:nvSpPr>
+          <p:cNvPr id="4" name="Titel 3"/>
+          <p:cNvSpPr>
+            <a:spLocks noGrp="1"/>
+          </p:cNvSpPr>
+          <p:nvPr>
+            <p:ph type="title"/>
+          </p:nvPr>
+        </p:nvSpPr>
+        <p:spPr/>
+        <p:txBody>
+          <a:bodyPr/>
+          <a:lstStyle/>
+          <a:p>
+            <a:r>
+              <a:rPr lang="en-GB" dirty="0" err="1"/>
+              <a:t>Inhalt</a:t>
+            </a:r>
+            <a:endParaRPr lang="en-GB" dirty="0"/>
+          </a:p>
+        </p:txBody>
+      </p:sp>
+      <p:sp>
+        <p:nvSpPr>
+          <p:cNvPr id="14" name="Inhaltsplatzhalter 13"/>
+          <p:cNvSpPr>
+            <a:spLocks noGrp="1"/>
+          </p:cNvSpPr>
+          <p:nvPr>
+            <p:ph idx="1"/>
+          </p:nvPr>
+        </p:nvSpPr>
+        <p:spPr/>
+        <p:txBody>
+          <a:bodyPr/>
+          <a:lstStyle/>
+          <a:p>
+            <a:r>
+              <a:rPr lang="en-US" dirty="0" err="1"/>
+              <a:t>Informationen</a:t>
+            </a:r>
+            <a:r>
+              <a:rPr lang="en-US" dirty="0"/>
+              <a:t> </a:t>
+            </a:r>
+            <a:r>
+              <a:rPr lang="en-US" dirty="0" err="1"/>
+              <a:t>zur</a:t>
+            </a:r>
+            <a:r>
+              <a:rPr lang="en-US" dirty="0"/>
+              <a:t> Person</a:t>
+            </a:r>
+          </a:p>
+          <a:p>
+            <a:r>
+              <a:rPr lang="en-US" dirty="0" err="1"/>
+              <a:t>Einleitung</a:t>
+            </a:r>
+            <a:endParaRPr lang="en-US" dirty="0"/>
+          </a:p>
+          <a:p>
+            <a:r>
+              <a:rPr lang="de-DE" dirty="0"/>
+              <a:t>Modulare Energieverteilung im Bordnetz</a:t>
+            </a:r>
+          </a:p>
+          <a:p>
+            <a:r>
+              <a:rPr lang="de-DE" dirty="0"/>
+              <a:t>Arbeitsfortschritt und nächste Schritte</a:t>
+            </a:r>
+          </a:p>
+          <a:p>
+            <a:r>
+              <a:rPr lang="de-DE" dirty="0"/>
+              <a:t>Finanzierung</a:t>
+            </a:r>
+          </a:p>
+          <a:p>
+            <a:endParaRPr lang="en-GB" dirty="0"/>
+          </a:p>
+        </p:txBody>
+      </p:sp>
+    </p:spTree>
+    <p:extLst>
+      <p:ext uri="{BB962C8B-B14F-4D97-AF65-F5344CB8AC3E}">
+        <p14:creationId xmlns:p14="http://schemas.microsoft.com/office/powerpoint/2010/main" val="1954705073"/>
+      </p:ext>
+    </p:extLst>
+  </p:cSld>
+  <p:clrMapOvr>
+    <a:masterClrMapping/>
+  </p:clrMapOvr>
+  <p:timing>
+    <p:tnLst>
+      <p:par>
+        <p:cTn id="1" dur="indefinite" restart="never" nodeType="tmRoot">
+          <p:childTnLst>
+            <p:seq concurrent="1" nextAc="seek">
+              <p:cTn id="2" dur="indefinite" nodeType="mainSeq">
+                <p:childTnLst>
+                  <p:par>
+                    <p:cTn id="3" fill="hold">
+                      <p:stCondLst>
+                        <p:cond delay="indefinite"/>
+                      </p:stCondLst>
+                      <p:childTnLst>
+                        <p:par>
+                          <p:cTn id="4" fill="hold">
+                            <p:stCondLst>
+                              <p:cond delay="0"/>
+                            </p:stCondLst>
+                            <p:childTnLst>
+                              <p:par>
+                                <p:cTn id="5" presetID="22" presetClass="entr" presetSubtype="8" fill="hold" nodeType="clickEffect">
+                                  <p:stCondLst>
+                                    <p:cond delay="0"/>
+                                  </p:stCondLst>
+                                  <p:childTnLst>
+                                    <p:set>
+                                      <p:cBhvr>
+                                        <p:cTn id="6" dur="1" fill="hold">
+                                          <p:stCondLst>
+                                            <p:cond delay="0"/>
+                                          </p:stCondLst>
+                                        </p:cTn>
+                                        <p:tgtEl>
+                                          <p:spTgt spid="6"/>
+                                        </p:tgtEl>
+                                        <p:attrNameLst>
+                                          <p:attrName>style.visibility</p:attrName>
+                                        </p:attrNameLst>
+                                      </p:cBhvr>
+                                      <p:to>
+                                        <p:strVal val="visible"/>
+                                      </p:to>
+                                    </p:set>
+                                    <p:animEffect transition="in" filter="wipe(left)">
+                                      <p:cBhvr>
+                                        <p:cTn id="7" dur="500"/>
+                                        <p:tgtEl>
+                                          <p:spTgt spid="6"/>
+                                        </p:tgtEl>
+                                      </p:cBhvr>
+                                    </p:animEffect>
+                                  </p:childTnLst>
+                                </p:cTn>
+                              </p:par>
+                            </p:childTnLst>
+                          </p:cTn>
+                        </p:par>
+                      </p:childTnLst>
+                    </p:cTn>
+                  </p:par>
+                </p:childTnLst>
+              </p:cTn>
+              <p:prevCondLst>
+                <p:cond evt="onPrev" delay="0">
+                  <p:tgtEl>
+                    <p:sldTgt/>
+                  </p:tgtEl>
+                </p:cond>
+              </p:prevCondLst>
+              <p:nextCondLst>
+                <p:cond evt="onNext" delay="0">
+                  <p:tgtEl>
+                    <p:sldTgt/>
+                  </p:tgtEl>
+                </p:cond>
+              </p:nextCondLst>
+            </p:seq>
+          </p:childTnLst>
+        </p:cTn>
+      </p:par>
+    </p:tnLst>
+  </p:timing>
+</p:sld>
+</file>
+
+<file path=ppt/slides/slide12.xml><?xml version="1.0" encoding="utf-8"?>
+<p:sld xmlns:a="http://schemas.openxmlformats.org/drawingml/2006/main" xmlns:r="http://schemas.openxmlformats.org/officeDocument/2006/relationships" xmlns:p="http://schemas.openxmlformats.org/presentationml/2006/main">
+  <p:cSld>
+    <p:spTree>
+      <p:nvGrpSpPr>
+        <p:cNvPr id="1" name=""/>
+        <p:cNvGrpSpPr/>
+        <p:nvPr/>
+      </p:nvGrpSpPr>
+      <p:grpSpPr>
+        <a:xfrm>
+          <a:off x="0" y="0"/>
+          <a:ext cx="0" cy="0"/>
+          <a:chOff x="0" y="0"/>
+          <a:chExt cx="0" cy="0"/>
+        </a:xfrm>
+      </p:grpSpPr>
+      <p:sp>
+        <p:nvSpPr>
+          <p:cNvPr id="2" name="Titel 1">
+            <a:extLst>
+              <a:ext uri="{FF2B5EF4-FFF2-40B4-BE49-F238E27FC236}">
+                <a16:creationId xmlns:a16="http://schemas.microsoft.com/office/drawing/2014/main" id="{F3D3D61D-214A-4D4F-AF12-917F5BBFADF3}"/>
+              </a:ext>
+            </a:extLst>
+          </p:cNvPr>
+          <p:cNvSpPr>
+            <a:spLocks noGrp="1"/>
+          </p:cNvSpPr>
+          <p:nvPr>
+            <p:ph type="title"/>
+          </p:nvPr>
+        </p:nvSpPr>
+        <p:spPr/>
+        <p:txBody>
+          <a:bodyPr/>
+          <a:lstStyle/>
+          <a:p>
+            <a:r>
+              <a:rPr lang="de-DE" dirty="0"/>
+              <a:t>Arbeitsfortschritt und nächste Schritte</a:t>
+            </a:r>
+            <a:endParaRPr lang="LID4096" dirty="0"/>
+          </a:p>
+        </p:txBody>
+      </p:sp>
+      <p:sp>
+        <p:nvSpPr>
+          <p:cNvPr id="3" name="Inhaltsplatzhalter 2">
+            <a:extLst>
+              <a:ext uri="{FF2B5EF4-FFF2-40B4-BE49-F238E27FC236}">
+                <a16:creationId xmlns:a16="http://schemas.microsoft.com/office/drawing/2014/main" id="{04A33089-FC77-496D-80A0-75D41943221A}"/>
+              </a:ext>
+            </a:extLst>
+          </p:cNvPr>
+          <p:cNvSpPr>
+            <a:spLocks noGrp="1"/>
+          </p:cNvSpPr>
+          <p:nvPr>
+            <p:ph idx="1"/>
+          </p:nvPr>
+        </p:nvSpPr>
+        <p:spPr/>
+        <p:txBody>
+          <a:bodyPr/>
+          <a:lstStyle/>
+          <a:p>
+            <a:r>
+              <a:rPr lang="de-DE" b="1" dirty="0"/>
+              <a:t>Aktuelle Phase</a:t>
+            </a:r>
+            <a:r>
+              <a:rPr lang="de-DE" dirty="0"/>
+              <a:t>: Orientierung/Einarbeitung</a:t>
+            </a:r>
+          </a:p>
+          <a:p>
+            <a:endParaRPr lang="de-DE" dirty="0"/>
+          </a:p>
+          <a:p>
+            <a:r>
+              <a:rPr lang="de-DE" b="1" dirty="0"/>
+              <a:t>Nächste Schritte: </a:t>
+            </a:r>
+          </a:p>
+          <a:p>
+            <a:pPr lvl="1"/>
+            <a:r>
+              <a:rPr lang="de-DE" dirty="0"/>
+              <a:t>Entwicklung der Software in Simulationsumgebung, Simulation von Energiemanagement und Fehlerfälle</a:t>
+            </a:r>
+          </a:p>
+          <a:p>
+            <a:pPr lvl="1"/>
+            <a:endParaRPr lang="de-DE" dirty="0"/>
+          </a:p>
+          <a:p>
+            <a:pPr lvl="1"/>
+            <a:r>
+              <a:rPr lang="de-DE" dirty="0"/>
+              <a:t>Mögliche einfache Hardwareaufbau mit Hilfe bestehende PDU Komponenten und Raspberry Pi PC-s</a:t>
+            </a:r>
+          </a:p>
+          <a:p>
+            <a:pPr lvl="1"/>
+            <a:endParaRPr lang="de-DE" dirty="0"/>
+          </a:p>
+          <a:p>
+            <a:pPr lvl="1"/>
+            <a:r>
+              <a:rPr lang="de-DE" dirty="0"/>
+              <a:t>Schaltungs- und </a:t>
+            </a:r>
+            <a:r>
+              <a:rPr lang="de-DE" dirty="0" err="1"/>
+              <a:t>Layoutentfür</a:t>
+            </a:r>
+            <a:r>
+              <a:rPr lang="de-DE" dirty="0"/>
+              <a:t> für eine modulare PDU</a:t>
+            </a:r>
+          </a:p>
+          <a:p>
+            <a:pPr lvl="1"/>
+            <a:endParaRPr lang="de-DE" dirty="0"/>
+          </a:p>
+          <a:p>
+            <a:pPr lvl="1"/>
+            <a:r>
+              <a:rPr lang="de-DE" dirty="0"/>
+              <a:t>Testaufbau mit modularen PDU-s</a:t>
+            </a:r>
+            <a:endParaRPr lang="LID4096" dirty="0"/>
+          </a:p>
+        </p:txBody>
+      </p:sp>
+    </p:spTree>
+    <p:extLst>
+      <p:ext uri="{BB962C8B-B14F-4D97-AF65-F5344CB8AC3E}">
+        <p14:creationId xmlns:p14="http://schemas.microsoft.com/office/powerpoint/2010/main" val="2769829572"/>
+      </p:ext>
+    </p:extLst>
+  </p:cSld>
+  <p:clrMapOvr>
+    <a:masterClrMapping/>
+  </p:clrMapOvr>
+</p:sld>
+</file>
+
+<file path=ppt/slides/slide13.xml><?xml version="1.0" encoding="utf-8"?>
+<p:sld xmlns:a="http://schemas.openxmlformats.org/drawingml/2006/main" xmlns:r="http://schemas.openxmlformats.org/officeDocument/2006/relationships" xmlns:p="http://schemas.openxmlformats.org/presentationml/2006/main">
+  <p:cSld>
+    <p:spTree>
+      <p:nvGrpSpPr>
+        <p:cNvPr id="1" name=""/>
+        <p:cNvGrpSpPr/>
+        <p:nvPr/>
+      </p:nvGrpSpPr>
+      <p:grpSpPr>
+        <a:xfrm>
+          <a:off x="0" y="0"/>
+          <a:ext cx="0" cy="0"/>
+          <a:chOff x="0" y="0"/>
+          <a:chExt cx="0" cy="0"/>
+        </a:xfrm>
+      </p:grpSpPr>
+      <p:graphicFrame>
+        <p:nvGraphicFramePr>
+          <p:cNvPr id="10" name="Objekt 9" hidden="1"/>
+          <p:cNvGraphicFramePr>
+            <a:graphicFrameLocks noChangeAspect="1"/>
+          </p:cNvGraphicFramePr>
+          <p:nvPr>
+            <p:custDataLst>
+              <p:tags r:id="rId1"/>
+            </p:custDataLst>
+          </p:nvPr>
+        </p:nvGraphicFramePr>
+        <p:xfrm>
+          <a:off x="1525588" y="1589"/>
+          <a:ext cx="1587" cy="1587"/>
+        </p:xfrm>
+        <a:graphic>
+          <a:graphicData uri="http://schemas.openxmlformats.org/presentationml/2006/ole">
+            <mc:AlternateContent xmlns:mc="http://schemas.openxmlformats.org/markup-compatibility/2006">
+              <mc:Choice xmlns:v="urn:schemas-microsoft-com:vml" Requires="v">
+                <p:oleObj name="think-cell Folie" r:id="rId4" imgW="360" imgH="360" progId="TCLayout.ActiveDocument.1">
+                  <p:embed/>
+                </p:oleObj>
+              </mc:Choice>
+              <mc:Fallback>
+                <p:oleObj name="think-cell Folie" r:id="rId4" imgW="360" imgH="360" progId="TCLayout.ActiveDocument.1">
+                  <p:embed/>
+                  <p:pic>
+                    <p:nvPicPr>
+                      <p:cNvPr id="10" name="Objekt 9" hidden="1"/>
+                      <p:cNvPicPr>
+                        <a:picLocks noChangeAspect="1" noChangeArrowheads="1"/>
+                      </p:cNvPicPr>
+                      <p:nvPr/>
+                    </p:nvPicPr>
+                    <p:blipFill>
+                      <a:blip r:embed="rId5">
+                        <a:extLst>
+                          <a:ext uri="{28A0092B-C50C-407E-A947-70E740481C1C}">
+                            <a14:useLocalDpi xmlns:a14="http://schemas.microsoft.com/office/drawing/2010/main" val="0"/>
+                          </a:ext>
+                        </a:extLst>
+                      </a:blip>
+                      <a:srcRect/>
+                      <a:stretch>
+                        <a:fillRect/>
+                      </a:stretch>
+                    </p:blipFill>
+                    <p:spPr bwMode="auto">
+                      <a:xfrm>
+                        <a:off x="1525588" y="1589"/>
+                        <a:ext cx="1587" cy="1587"/>
+                      </a:xfrm>
+                      <a:prstGeom prst="rect">
+                        <a:avLst/>
+                      </a:prstGeom>
+                      <a:noFill/>
+                      <a:extLst>
+                        <a:ext uri="{909E8E84-426E-40DD-AFC4-6F175D3DCCD1}">
+                          <a14:hiddenFill xmlns:a14="http://schemas.microsoft.com/office/drawing/2010/main">
+                            <a:solidFill>
+                              <a:srgbClr val="FFFFFF"/>
+                            </a:solidFill>
+                          </a14:hiddenFill>
+                        </a:ext>
+                      </a:extLst>
+                    </p:spPr>
+                  </p:pic>
+                </p:oleObj>
+              </mc:Fallback>
+            </mc:AlternateContent>
+          </a:graphicData>
+        </a:graphic>
+      </p:graphicFrame>
+      <p:grpSp>
+        <p:nvGrpSpPr>
+          <p:cNvPr id="6" name="Highlight"/>
+          <p:cNvGrpSpPr>
+            <a:grpSpLocks/>
+          </p:cNvGrpSpPr>
+          <p:nvPr/>
+        </p:nvGrpSpPr>
+        <p:grpSpPr bwMode="auto">
+          <a:xfrm>
+            <a:off x="330200" y="2863850"/>
+            <a:ext cx="11518900" cy="288776"/>
+            <a:chOff x="342" y="1063"/>
+            <a:chExt cx="4329" cy="276"/>
+          </a:xfrm>
+        </p:grpSpPr>
+        <p:sp>
+          <p:nvSpPr>
+            <p:cNvPr id="7" name="Rectangle 1042"/>
+            <p:cNvSpPr>
+              <a:spLocks noChangeArrowheads="1"/>
+            </p:cNvSpPr>
+            <p:nvPr/>
+          </p:nvSpPr>
+          <p:spPr bwMode="auto">
+            <a:xfrm>
+              <a:off x="342" y="1063"/>
+              <a:ext cx="3118" cy="276"/>
+            </a:xfrm>
+            <a:prstGeom prst="rect">
+              <a:avLst/>
+            </a:prstGeom>
+            <a:solidFill>
+              <a:srgbClr val="FFFF00"/>
+            </a:solidFill>
+            <a:ln w="7239">
+              <a:noFill/>
+              <a:miter lim="800000"/>
+              <a:headEnd/>
+              <a:tailEnd/>
+            </a:ln>
+          </p:spPr>
+          <p:txBody>
+            <a:bodyPr wrap="none" anchor="ctr"/>
+            <a:lstStyle/>
+            <a:p>
+              <a:pPr algn="r" eaLnBrk="0" hangingPunct="0"/>
+              <a:endParaRPr lang="de-DE" dirty="0"/>
+            </a:p>
+          </p:txBody>
+        </p:sp>
+        <p:sp>
+          <p:nvSpPr>
+            <p:cNvPr id="8" name="Rectangle 1043"/>
+            <p:cNvSpPr>
+              <a:spLocks noChangeArrowheads="1"/>
+            </p:cNvSpPr>
+            <p:nvPr/>
+          </p:nvSpPr>
+          <p:spPr bwMode="auto">
+            <a:xfrm>
+              <a:off x="3460" y="1063"/>
+              <a:ext cx="1211" cy="276"/>
+            </a:xfrm>
+            <a:prstGeom prst="rect">
+              <a:avLst/>
+            </a:prstGeom>
+            <a:gradFill flip="none" rotWithShape="1">
+              <a:gsLst>
+                <a:gs pos="0">
+                  <a:srgbClr val="FFFF00"/>
+                </a:gs>
+                <a:gs pos="100000">
+                  <a:srgbClr val="FFFFFF"/>
+                </a:gs>
+              </a:gsLst>
+              <a:lin ang="0" scaled="1"/>
+              <a:tileRect/>
+            </a:gradFill>
+            <a:ln w="7239">
+              <a:noFill/>
+              <a:miter lim="800000"/>
+              <a:headEnd/>
+              <a:tailEnd/>
+            </a:ln>
+          </p:spPr>
+          <p:txBody>
+            <a:bodyPr wrap="none" anchor="ctr"/>
+            <a:lstStyle/>
+            <a:p>
+              <a:pPr algn="r" eaLnBrk="0" hangingPunct="0"/>
+              <a:endParaRPr lang="de-DE" dirty="0"/>
+            </a:p>
+          </p:txBody>
+        </p:sp>
+      </p:grpSp>
+      <p:sp>
+        <p:nvSpPr>
+          <p:cNvPr id="4" name="Titel 3"/>
+          <p:cNvSpPr>
+            <a:spLocks noGrp="1"/>
+          </p:cNvSpPr>
+          <p:nvPr>
+            <p:ph type="title"/>
+          </p:nvPr>
+        </p:nvSpPr>
+        <p:spPr/>
+        <p:txBody>
+          <a:bodyPr/>
+          <a:lstStyle/>
+          <a:p>
+            <a:r>
+              <a:rPr lang="en-GB" dirty="0" err="1"/>
+              <a:t>Inhalt</a:t>
+            </a:r>
+            <a:endParaRPr lang="en-GB" dirty="0"/>
+          </a:p>
+        </p:txBody>
+      </p:sp>
+      <p:sp>
+        <p:nvSpPr>
+          <p:cNvPr id="14" name="Inhaltsplatzhalter 13"/>
+          <p:cNvSpPr>
+            <a:spLocks noGrp="1"/>
+          </p:cNvSpPr>
+          <p:nvPr>
+            <p:ph idx="1"/>
+          </p:nvPr>
+        </p:nvSpPr>
+        <p:spPr/>
+        <p:txBody>
+          <a:bodyPr/>
+          <a:lstStyle/>
+          <a:p>
+            <a:r>
+              <a:rPr lang="en-US" dirty="0" err="1"/>
+              <a:t>Informationen</a:t>
+            </a:r>
+            <a:r>
+              <a:rPr lang="en-US" dirty="0"/>
+              <a:t> </a:t>
+            </a:r>
+            <a:r>
+              <a:rPr lang="en-US" dirty="0" err="1"/>
+              <a:t>zur</a:t>
+            </a:r>
+            <a:r>
+              <a:rPr lang="en-US" dirty="0"/>
+              <a:t> Person</a:t>
+            </a:r>
+          </a:p>
+          <a:p>
+            <a:r>
+              <a:rPr lang="en-US" dirty="0" err="1"/>
+              <a:t>Einleitung</a:t>
+            </a:r>
+            <a:endParaRPr lang="en-US" dirty="0"/>
+          </a:p>
+          <a:p>
+            <a:r>
+              <a:rPr lang="de-DE" dirty="0"/>
+              <a:t>Modulare Energieverteilung im Bordnetz</a:t>
+            </a:r>
+          </a:p>
+          <a:p>
+            <a:r>
+              <a:rPr lang="de-DE" dirty="0"/>
+              <a:t>Arbeitsfortschritt und nächste Schritte</a:t>
+            </a:r>
+          </a:p>
+          <a:p>
+            <a:r>
+              <a:rPr lang="de-DE" dirty="0"/>
+              <a:t>Finanzierung</a:t>
+            </a:r>
+          </a:p>
+          <a:p>
+            <a:endParaRPr lang="en-GB" dirty="0"/>
+          </a:p>
+        </p:txBody>
+      </p:sp>
+    </p:spTree>
+    <p:extLst>
+      <p:ext uri="{BB962C8B-B14F-4D97-AF65-F5344CB8AC3E}">
+        <p14:creationId xmlns:p14="http://schemas.microsoft.com/office/powerpoint/2010/main" val="1454752442"/>
+      </p:ext>
+    </p:extLst>
+  </p:cSld>
+  <p:clrMapOvr>
+    <a:masterClrMapping/>
+  </p:clrMapOvr>
+  <p:timing>
+    <p:tnLst>
+      <p:par>
+        <p:cTn id="1" dur="indefinite" restart="never" nodeType="tmRoot">
+          <p:childTnLst>
+            <p:seq concurrent="1" nextAc="seek">
+              <p:cTn id="2" dur="indefinite" nodeType="mainSeq">
+                <p:childTnLst>
+                  <p:par>
+                    <p:cTn id="3" fill="hold">
+                      <p:stCondLst>
+                        <p:cond delay="indefinite"/>
+                      </p:stCondLst>
+                      <p:childTnLst>
+                        <p:par>
+                          <p:cTn id="4" fill="hold">
+                            <p:stCondLst>
+                              <p:cond delay="0"/>
+                            </p:stCondLst>
+                            <p:childTnLst>
+                              <p:par>
+                                <p:cTn id="5" presetID="22" presetClass="entr" presetSubtype="8" fill="hold" nodeType="clickEffect">
+                                  <p:stCondLst>
+                                    <p:cond delay="0"/>
+                                  </p:stCondLst>
+                                  <p:childTnLst>
+                                    <p:set>
+                                      <p:cBhvr>
+                                        <p:cTn id="6" dur="1" fill="hold">
+                                          <p:stCondLst>
+                                            <p:cond delay="0"/>
+                                          </p:stCondLst>
+                                        </p:cTn>
+                                        <p:tgtEl>
+                                          <p:spTgt spid="6"/>
+                                        </p:tgtEl>
+                                        <p:attrNameLst>
+                                          <p:attrName>style.visibility</p:attrName>
+                                        </p:attrNameLst>
+                                      </p:cBhvr>
+                                      <p:to>
+                                        <p:strVal val="visible"/>
+                                      </p:to>
+                                    </p:set>
+                                    <p:animEffect transition="in" filter="wipe(left)">
+                                      <p:cBhvr>
+                                        <p:cTn id="7" dur="500"/>
+                                        <p:tgtEl>
+                                          <p:spTgt spid="6"/>
+                                        </p:tgtEl>
+                                      </p:cBhvr>
+                                    </p:animEffect>
+                                  </p:childTnLst>
+                                </p:cTn>
+                              </p:par>
+                            </p:childTnLst>
+                          </p:cTn>
+                        </p:par>
+                      </p:childTnLst>
+                    </p:cTn>
+                  </p:par>
+                </p:childTnLst>
+              </p:cTn>
+              <p:prevCondLst>
+                <p:cond evt="onPrev" delay="0">
+                  <p:tgtEl>
+                    <p:sldTgt/>
+                  </p:tgtEl>
+                </p:cond>
+              </p:prevCondLst>
+              <p:nextCondLst>
+                <p:cond evt="onNext" delay="0">
+                  <p:tgtEl>
+                    <p:sldTgt/>
+                  </p:tgtEl>
+                </p:cond>
+              </p:nextCondLst>
+            </p:seq>
+          </p:childTnLst>
+        </p:cTn>
+      </p:par>
+    </p:tnLst>
+  </p:timing>
+</p:sld>
+</file>
+
+<file path=ppt/slides/slide14.xml><?xml version="1.0" encoding="utf-8"?>
 <p:sld xmlns:a="http://schemas.openxmlformats.org/drawingml/2006/main" xmlns:r="http://schemas.openxmlformats.org/officeDocument/2006/relationships" xmlns:p="http://schemas.openxmlformats.org/presentationml/2006/main">
   <p:cSld>
     <p:spTree>
@@ -16150,9 +17337,179 @@
           <a:chExt cx="0" cy="0"/>
         </a:xfrm>
       </p:grpSpPr>
+      <p:graphicFrame>
+        <p:nvGraphicFramePr>
+          <p:cNvPr id="10" name="Objekt 9" hidden="1"/>
+          <p:cNvGraphicFramePr>
+            <a:graphicFrameLocks noChangeAspect="1"/>
+          </p:cNvGraphicFramePr>
+          <p:nvPr>
+            <p:custDataLst>
+              <p:tags r:id="rId1"/>
+            </p:custDataLst>
+          </p:nvPr>
+        </p:nvGraphicFramePr>
+        <p:xfrm>
+          <a:off x="1525588" y="1589"/>
+          <a:ext cx="1587" cy="1587"/>
+        </p:xfrm>
+        <a:graphic>
+          <a:graphicData uri="http://schemas.openxmlformats.org/presentationml/2006/ole">
+            <mc:AlternateContent xmlns:mc="http://schemas.openxmlformats.org/markup-compatibility/2006">
+              <mc:Choice xmlns:v="urn:schemas-microsoft-com:vml" Requires="v">
+                <p:oleObj name="think-cell Folie" r:id="rId4" imgW="360" imgH="360" progId="TCLayout.ActiveDocument.1">
+                  <p:embed/>
+                </p:oleObj>
+              </mc:Choice>
+              <mc:Fallback>
+                <p:oleObj name="think-cell Folie" r:id="rId4" imgW="360" imgH="360" progId="TCLayout.ActiveDocument.1">
+                  <p:embed/>
+                  <p:pic>
+                    <p:nvPicPr>
+                      <p:cNvPr id="10" name="Objekt 9" hidden="1"/>
+                      <p:cNvPicPr>
+                        <a:picLocks noChangeAspect="1" noChangeArrowheads="1"/>
+                      </p:cNvPicPr>
+                      <p:nvPr/>
+                    </p:nvPicPr>
+                    <p:blipFill>
+                      <a:blip r:embed="rId5">
+                        <a:extLst>
+                          <a:ext uri="{28A0092B-C50C-407E-A947-70E740481C1C}">
+                            <a14:useLocalDpi xmlns:a14="http://schemas.microsoft.com/office/drawing/2010/main" val="0"/>
+                          </a:ext>
+                        </a:extLst>
+                      </a:blip>
+                      <a:srcRect/>
+                      <a:stretch>
+                        <a:fillRect/>
+                      </a:stretch>
+                    </p:blipFill>
+                    <p:spPr bwMode="auto">
+                      <a:xfrm>
+                        <a:off x="1525588" y="1589"/>
+                        <a:ext cx="1587" cy="1587"/>
+                      </a:xfrm>
+                      <a:prstGeom prst="rect">
+                        <a:avLst/>
+                      </a:prstGeom>
+                      <a:noFill/>
+                      <a:extLst>
+                        <a:ext uri="{909E8E84-426E-40DD-AFC4-6F175D3DCCD1}">
+                          <a14:hiddenFill xmlns:a14="http://schemas.microsoft.com/office/drawing/2010/main">
+                            <a:solidFill>
+                              <a:srgbClr val="FFFFFF"/>
+                            </a:solidFill>
+                          </a14:hiddenFill>
+                        </a:ext>
+                      </a:extLst>
+                    </p:spPr>
+                  </p:pic>
+                </p:oleObj>
+              </mc:Fallback>
+            </mc:AlternateContent>
+          </a:graphicData>
+        </a:graphic>
+      </p:graphicFrame>
+      <p:grpSp>
+        <p:nvGrpSpPr>
+          <p:cNvPr id="6" name="Highlight"/>
+          <p:cNvGrpSpPr>
+            <a:grpSpLocks/>
+          </p:cNvGrpSpPr>
+          <p:nvPr/>
+        </p:nvGrpSpPr>
+        <p:grpSpPr bwMode="auto">
+          <a:xfrm>
+            <a:off x="330200" y="1447800"/>
+            <a:ext cx="11518900" cy="288776"/>
+            <a:chOff x="342" y="1063"/>
+            <a:chExt cx="4329" cy="276"/>
+          </a:xfrm>
+        </p:grpSpPr>
+        <p:sp>
+          <p:nvSpPr>
+            <p:cNvPr id="7" name="Rectangle 1042"/>
+            <p:cNvSpPr>
+              <a:spLocks noChangeArrowheads="1"/>
+            </p:cNvSpPr>
+            <p:nvPr/>
+          </p:nvSpPr>
+          <p:spPr bwMode="auto">
+            <a:xfrm>
+              <a:off x="342" y="1063"/>
+              <a:ext cx="3118" cy="276"/>
+            </a:xfrm>
+            <a:prstGeom prst="rect">
+              <a:avLst/>
+            </a:prstGeom>
+            <a:solidFill>
+              <a:srgbClr val="FFFF00"/>
+            </a:solidFill>
+            <a:ln w="7239">
+              <a:noFill/>
+              <a:miter lim="800000"/>
+              <a:headEnd/>
+              <a:tailEnd/>
+            </a:ln>
+          </p:spPr>
+          <p:txBody>
+            <a:bodyPr wrap="none" anchor="ctr"/>
+            <a:lstStyle/>
+            <a:p>
+              <a:pPr algn="r" eaLnBrk="0" hangingPunct="0"/>
+              <a:endParaRPr lang="de-DE" dirty="0"/>
+            </a:p>
+          </p:txBody>
+        </p:sp>
+        <p:sp>
+          <p:nvSpPr>
+            <p:cNvPr id="8" name="Rectangle 1043"/>
+            <p:cNvSpPr>
+              <a:spLocks noChangeArrowheads="1"/>
+            </p:cNvSpPr>
+            <p:nvPr/>
+          </p:nvSpPr>
+          <p:spPr bwMode="auto">
+            <a:xfrm>
+              <a:off x="3460" y="1063"/>
+              <a:ext cx="1211" cy="276"/>
+            </a:xfrm>
+            <a:prstGeom prst="rect">
+              <a:avLst/>
+            </a:prstGeom>
+            <a:gradFill flip="none" rotWithShape="1">
+              <a:gsLst>
+                <a:gs pos="0">
+                  <a:srgbClr val="FFFF00"/>
+                </a:gs>
+                <a:gs pos="100000">
+                  <a:srgbClr val="FFFFFF"/>
+                </a:gs>
+              </a:gsLst>
+              <a:lin ang="0" scaled="1"/>
+              <a:tileRect/>
+            </a:gradFill>
+            <a:ln w="7239">
+              <a:noFill/>
+              <a:miter lim="800000"/>
+              <a:headEnd/>
+              <a:tailEnd/>
+            </a:ln>
+          </p:spPr>
+          <p:txBody>
+            <a:bodyPr wrap="none" anchor="ctr"/>
+            <a:lstStyle/>
+            <a:p>
+              <a:pPr algn="r" eaLnBrk="0" hangingPunct="0"/>
+              <a:endParaRPr lang="de-DE" dirty="0"/>
+            </a:p>
+          </p:txBody>
+        </p:sp>
+      </p:grpSp>
       <p:sp>
         <p:nvSpPr>
-          <p:cNvPr id="2" name="Titel 1"/>
+          <p:cNvPr id="4" name="Titel 3"/>
           <p:cNvSpPr>
             <a:spLocks noGrp="1"/>
           </p:cNvSpPr>
@@ -16166,15 +17523,16 @@
           <a:lstStyle/>
           <a:p>
             <a:r>
-              <a:rPr lang="de-DE" dirty="0"/>
+              <a:rPr lang="en-GB" dirty="0" err="1"/>
               <a:t>Inhalt</a:t>
             </a:r>
+            <a:endParaRPr lang="en-GB" dirty="0"/>
           </a:p>
         </p:txBody>
       </p:sp>
       <p:sp>
         <p:nvSpPr>
-          <p:cNvPr id="3" name="Inhaltsplatzhalter 2"/>
+          <p:cNvPr id="14" name="Inhaltsplatzhalter 13"/>
           <p:cNvSpPr>
             <a:spLocks noGrp="1"/>
           </p:cNvSpPr>
@@ -16188,34 +17546,137 @@
           <a:lstStyle/>
           <a:p>
             <a:r>
+              <a:rPr lang="en-US" dirty="0" err="1"/>
+              <a:t>Informationen</a:t>
+            </a:r>
+            <a:r>
+              <a:rPr lang="en-US" dirty="0"/>
+              <a:t> </a:t>
+            </a:r>
+            <a:r>
+              <a:rPr lang="en-US" dirty="0" err="1"/>
+              <a:t>zur</a:t>
+            </a:r>
+            <a:r>
+              <a:rPr lang="en-US" dirty="0"/>
+              <a:t> Person</a:t>
+            </a:r>
+          </a:p>
+          <a:p>
+            <a:r>
+              <a:rPr lang="en-US" dirty="0" err="1"/>
+              <a:t>Einleitung</a:t>
+            </a:r>
+            <a:endParaRPr lang="en-US" dirty="0"/>
+          </a:p>
+          <a:p>
+            <a:r>
               <a:rPr lang="de-DE" dirty="0"/>
-              <a:t>Informationen zur Person</a:t>
+              <a:t>Modulare Energieverteilung im Bordnetz</a:t>
             </a:r>
           </a:p>
           <a:p>
             <a:r>
               <a:rPr lang="de-DE" dirty="0"/>
-              <a:t>Einleitung</a:t>
-            </a:r>
-          </a:p>
-          <a:p>
-            <a:endParaRPr lang="de-DE" dirty="0"/>
-          </a:p>
-          <a:p>
-            <a:endParaRPr lang="de-DE" dirty="0"/>
+              <a:t>Arbeitsfortschritt und nächste Schritte</a:t>
+            </a:r>
+          </a:p>
+          <a:p>
+            <a:r>
+              <a:rPr lang="de-DE" dirty="0"/>
+              <a:t>Finanzierung</a:t>
+            </a:r>
           </a:p>
         </p:txBody>
       </p:sp>
     </p:spTree>
-    <p:extLst>
-      <p:ext uri="{BB962C8B-B14F-4D97-AF65-F5344CB8AC3E}">
-        <p14:creationId xmlns:p14="http://schemas.microsoft.com/office/powerpoint/2010/main" val="1623125486"/>
-      </p:ext>
-    </p:extLst>
   </p:cSld>
   <p:clrMapOvr>
     <a:masterClrMapping/>
   </p:clrMapOvr>
+  <p:timing>
+    <p:tnLst>
+      <p:par>
+        <p:cTn id="1" dur="indefinite" restart="never" nodeType="tmRoot">
+          <p:childTnLst>
+            <p:seq concurrent="1" nextAc="seek">
+              <p:cTn id="2" dur="indefinite" nodeType="mainSeq">
+                <p:childTnLst>
+                  <p:par>
+                    <p:cTn id="3" fill="hold">
+                      <p:stCondLst>
+                        <p:cond delay="indefinite"/>
+                      </p:stCondLst>
+                      <p:childTnLst>
+                        <p:par>
+                          <p:cTn id="4" fill="hold">
+                            <p:stCondLst>
+                              <p:cond delay="0"/>
+                            </p:stCondLst>
+                            <p:childTnLst>
+                              <p:par>
+                                <p:cTn id="5" presetID="22" presetClass="entr" presetSubtype="8" fill="hold" nodeType="clickEffect">
+                                  <p:stCondLst>
+                                    <p:cond delay="0"/>
+                                  </p:stCondLst>
+                                  <p:childTnLst>
+                                    <p:set>
+                                      <p:cBhvr>
+                                        <p:cTn id="6" dur="1" fill="hold">
+                                          <p:stCondLst>
+                                            <p:cond delay="0"/>
+                                          </p:stCondLst>
+                                        </p:cTn>
+                                        <p:tgtEl>
+                                          <p:spTgt spid="6"/>
+                                        </p:tgtEl>
+                                        <p:attrNameLst>
+                                          <p:attrName>style.visibility</p:attrName>
+                                        </p:attrNameLst>
+                                      </p:cBhvr>
+                                      <p:to>
+                                        <p:strVal val="visible"/>
+                                      </p:to>
+                                    </p:set>
+                                    <p:animEffect transition="in" filter="wipe(left)">
+                                      <p:cBhvr>
+                                        <p:cTn id="7" dur="500"/>
+                                        <p:tgtEl>
+                                          <p:spTgt spid="6"/>
+                                        </p:tgtEl>
+                                      </p:cBhvr>
+                                    </p:animEffect>
+                                  </p:childTnLst>
+                                </p:cTn>
+                              </p:par>
+                            </p:childTnLst>
+                          </p:cTn>
+                        </p:par>
+                      </p:childTnLst>
+                    </p:cTn>
+                  </p:par>
+                </p:childTnLst>
+              </p:cTn>
+              <p:prevCondLst>
+                <p:cond evt="onPrev" delay="0">
+                  <p:tgtEl>
+                    <p:sldTgt/>
+                  </p:tgtEl>
+                </p:cond>
+              </p:prevCondLst>
+              <p:nextCondLst>
+                <p:cond evt="onNext" delay="0">
+                  <p:tgtEl>
+                    <p:sldTgt/>
+                  </p:tgtEl>
+                </p:cond>
+              </p:nextCondLst>
+            </p:seq>
+          </p:childTnLst>
+        </p:cTn>
+      </p:par>
+    </p:tnLst>
+  </p:timing>
 </p:sld>
 </file>
 
@@ -16654,9 +18115,179 @@
           <a:chExt cx="0" cy="0"/>
         </a:xfrm>
       </p:grpSpPr>
+      <p:graphicFrame>
+        <p:nvGraphicFramePr>
+          <p:cNvPr id="10" name="Objekt 9" hidden="1"/>
+          <p:cNvGraphicFramePr>
+            <a:graphicFrameLocks noChangeAspect="1"/>
+          </p:cNvGraphicFramePr>
+          <p:nvPr>
+            <p:custDataLst>
+              <p:tags r:id="rId1"/>
+            </p:custDataLst>
+          </p:nvPr>
+        </p:nvGraphicFramePr>
+        <p:xfrm>
+          <a:off x="1525588" y="1589"/>
+          <a:ext cx="1587" cy="1587"/>
+        </p:xfrm>
+        <a:graphic>
+          <a:graphicData uri="http://schemas.openxmlformats.org/presentationml/2006/ole">
+            <mc:AlternateContent xmlns:mc="http://schemas.openxmlformats.org/markup-compatibility/2006">
+              <mc:Choice xmlns:v="urn:schemas-microsoft-com:vml" Requires="v">
+                <p:oleObj name="think-cell Folie" r:id="rId4" imgW="360" imgH="360" progId="TCLayout.ActiveDocument.1">
+                  <p:embed/>
+                </p:oleObj>
+              </mc:Choice>
+              <mc:Fallback>
+                <p:oleObj name="think-cell Folie" r:id="rId4" imgW="360" imgH="360" progId="TCLayout.ActiveDocument.1">
+                  <p:embed/>
+                  <p:pic>
+                    <p:nvPicPr>
+                      <p:cNvPr id="10" name="Objekt 9" hidden="1"/>
+                      <p:cNvPicPr>
+                        <a:picLocks noChangeAspect="1" noChangeArrowheads="1"/>
+                      </p:cNvPicPr>
+                      <p:nvPr/>
+                    </p:nvPicPr>
+                    <p:blipFill>
+                      <a:blip r:embed="rId5">
+                        <a:extLst>
+                          <a:ext uri="{28A0092B-C50C-407E-A947-70E740481C1C}">
+                            <a14:useLocalDpi xmlns:a14="http://schemas.microsoft.com/office/drawing/2010/main" val="0"/>
+                          </a:ext>
+                        </a:extLst>
+                      </a:blip>
+                      <a:srcRect/>
+                      <a:stretch>
+                        <a:fillRect/>
+                      </a:stretch>
+                    </p:blipFill>
+                    <p:spPr bwMode="auto">
+                      <a:xfrm>
+                        <a:off x="1525588" y="1589"/>
+                        <a:ext cx="1587" cy="1587"/>
+                      </a:xfrm>
+                      <a:prstGeom prst="rect">
+                        <a:avLst/>
+                      </a:prstGeom>
+                      <a:noFill/>
+                      <a:extLst>
+                        <a:ext uri="{909E8E84-426E-40DD-AFC4-6F175D3DCCD1}">
+                          <a14:hiddenFill xmlns:a14="http://schemas.microsoft.com/office/drawing/2010/main">
+                            <a:solidFill>
+                              <a:srgbClr val="FFFFFF"/>
+                            </a:solidFill>
+                          </a14:hiddenFill>
+                        </a:ext>
+                      </a:extLst>
+                    </p:spPr>
+                  </p:pic>
+                </p:oleObj>
+              </mc:Fallback>
+            </mc:AlternateContent>
+          </a:graphicData>
+        </a:graphic>
+      </p:graphicFrame>
+      <p:grpSp>
+        <p:nvGrpSpPr>
+          <p:cNvPr id="6" name="Highlight"/>
+          <p:cNvGrpSpPr>
+            <a:grpSpLocks/>
+          </p:cNvGrpSpPr>
+          <p:nvPr/>
+        </p:nvGrpSpPr>
+        <p:grpSpPr bwMode="auto">
+          <a:xfrm>
+            <a:off x="330200" y="1797050"/>
+            <a:ext cx="11518900" cy="288776"/>
+            <a:chOff x="342" y="1063"/>
+            <a:chExt cx="4329" cy="276"/>
+          </a:xfrm>
+        </p:grpSpPr>
+        <p:sp>
+          <p:nvSpPr>
+            <p:cNvPr id="7" name="Rectangle 1042"/>
+            <p:cNvSpPr>
+              <a:spLocks noChangeArrowheads="1"/>
+            </p:cNvSpPr>
+            <p:nvPr/>
+          </p:nvSpPr>
+          <p:spPr bwMode="auto">
+            <a:xfrm>
+              <a:off x="342" y="1063"/>
+              <a:ext cx="3118" cy="276"/>
+            </a:xfrm>
+            <a:prstGeom prst="rect">
+              <a:avLst/>
+            </a:prstGeom>
+            <a:solidFill>
+              <a:srgbClr val="FFFF00"/>
+            </a:solidFill>
+            <a:ln w="7239">
+              <a:noFill/>
+              <a:miter lim="800000"/>
+              <a:headEnd/>
+              <a:tailEnd/>
+            </a:ln>
+          </p:spPr>
+          <p:txBody>
+            <a:bodyPr wrap="none" anchor="ctr"/>
+            <a:lstStyle/>
+            <a:p>
+              <a:pPr algn="r" eaLnBrk="0" hangingPunct="0"/>
+              <a:endParaRPr lang="de-DE" dirty="0"/>
+            </a:p>
+          </p:txBody>
+        </p:sp>
+        <p:sp>
+          <p:nvSpPr>
+            <p:cNvPr id="8" name="Rectangle 1043"/>
+            <p:cNvSpPr>
+              <a:spLocks noChangeArrowheads="1"/>
+            </p:cNvSpPr>
+            <p:nvPr/>
+          </p:nvSpPr>
+          <p:spPr bwMode="auto">
+            <a:xfrm>
+              <a:off x="3460" y="1063"/>
+              <a:ext cx="1211" cy="276"/>
+            </a:xfrm>
+            <a:prstGeom prst="rect">
+              <a:avLst/>
+            </a:prstGeom>
+            <a:gradFill flip="none" rotWithShape="1">
+              <a:gsLst>
+                <a:gs pos="0">
+                  <a:srgbClr val="FFFF00"/>
+                </a:gs>
+                <a:gs pos="100000">
+                  <a:srgbClr val="FFFFFF"/>
+                </a:gs>
+              </a:gsLst>
+              <a:lin ang="0" scaled="1"/>
+              <a:tileRect/>
+            </a:gradFill>
+            <a:ln w="7239">
+              <a:noFill/>
+              <a:miter lim="800000"/>
+              <a:headEnd/>
+              <a:tailEnd/>
+            </a:ln>
+          </p:spPr>
+          <p:txBody>
+            <a:bodyPr wrap="none" anchor="ctr"/>
+            <a:lstStyle/>
+            <a:p>
+              <a:pPr algn="r" eaLnBrk="0" hangingPunct="0"/>
+              <a:endParaRPr lang="de-DE" dirty="0"/>
+            </a:p>
+          </p:txBody>
+        </p:sp>
+      </p:grpSp>
       <p:sp>
         <p:nvSpPr>
-          <p:cNvPr id="2" name="Titel 1"/>
+          <p:cNvPr id="4" name="Titel 3"/>
           <p:cNvSpPr>
             <a:spLocks noGrp="1"/>
           </p:cNvSpPr>
@@ -16670,15 +18301,16 @@
           <a:lstStyle/>
           <a:p>
             <a:r>
-              <a:rPr lang="de-DE" dirty="0"/>
+              <a:rPr lang="en-GB" dirty="0" err="1"/>
               <a:t>Inhalt</a:t>
             </a:r>
+            <a:endParaRPr lang="en-GB" dirty="0"/>
           </a:p>
         </p:txBody>
       </p:sp>
       <p:sp>
         <p:nvSpPr>
-          <p:cNvPr id="3" name="Inhaltsplatzhalter 2"/>
+          <p:cNvPr id="14" name="Inhaltsplatzhalter 13"/>
           <p:cNvSpPr>
             <a:spLocks noGrp="1"/>
           </p:cNvSpPr>
@@ -16692,28 +18324,145 @@
           <a:lstStyle/>
           <a:p>
             <a:r>
+              <a:rPr lang="en-US" dirty="0" err="1"/>
+              <a:t>Informationen</a:t>
+            </a:r>
+            <a:r>
+              <a:rPr lang="en-US" dirty="0"/>
+              <a:t> </a:t>
+            </a:r>
+            <a:r>
+              <a:rPr lang="en-US" dirty="0" err="1"/>
+              <a:t>zur</a:t>
+            </a:r>
+            <a:r>
+              <a:rPr lang="en-US" dirty="0"/>
+              <a:t> Person</a:t>
+            </a:r>
+          </a:p>
+          <a:p>
+            <a:r>
+              <a:rPr lang="en-US" dirty="0" err="1"/>
+              <a:t>Einleitung</a:t>
+            </a:r>
+            <a:endParaRPr lang="en-US" dirty="0"/>
+          </a:p>
+          <a:p>
+            <a:r>
               <a:rPr lang="de-DE" dirty="0"/>
-              <a:t>Einleitung</a:t>
-            </a:r>
-          </a:p>
-          <a:p>
-            <a:endParaRPr lang="de-DE" dirty="0"/>
-          </a:p>
-          <a:p>
-            <a:endParaRPr lang="de-DE" dirty="0"/>
+              <a:t>Modulare Energieverteilung im Bordnetz</a:t>
+            </a:r>
+          </a:p>
+          <a:p>
+            <a:r>
+              <a:rPr lang="de-DE" dirty="0"/>
+              <a:t>Arbeitsfortschritt und nächste Schritte</a:t>
+            </a:r>
+          </a:p>
+          <a:p>
+            <a:r>
+              <a:rPr lang="de-DE" dirty="0"/>
+              <a:t>Finanzierung</a:t>
+            </a:r>
+          </a:p>
+          <a:p>
+            <a:endParaRPr lang="en-GB" dirty="0"/>
           </a:p>
         </p:txBody>
       </p:sp>
     </p:spTree>
     <p:extLst>
       <p:ext uri="{BB962C8B-B14F-4D97-AF65-F5344CB8AC3E}">
-        <p14:creationId xmlns:p14="http://schemas.microsoft.com/office/powerpoint/2010/main" val="1056531813"/>
+        <p14:creationId xmlns:p14="http://schemas.microsoft.com/office/powerpoint/2010/main" val="4038448221"/>
       </p:ext>
     </p:extLst>
   </p:cSld>
   <p:clrMapOvr>
     <a:masterClrMapping/>
   </p:clrMapOvr>
+  <p:timing>
+    <p:tnLst>
+      <p:par>
+        <p:cTn id="1" dur="indefinite" restart="never" nodeType="tmRoot">
+          <p:childTnLst>
+            <p:seq concurrent="1" nextAc="seek">
+              <p:cTn id="2" dur="indefinite" nodeType="mainSeq">
+                <p:childTnLst>
+                  <p:par>
+                    <p:cTn id="3" fill="hold">
+                      <p:stCondLst>
+                        <p:cond delay="indefinite"/>
+                      </p:stCondLst>
+                      <p:childTnLst>
+                        <p:par>
+                          <p:cTn id="4" fill="hold">
+                            <p:stCondLst>
+                              <p:cond delay="0"/>
+                            </p:stCondLst>
+                            <p:childTnLst>
+                              <p:par>
+                                <p:cTn id="5" presetID="22" presetClass="entr" presetSubtype="8" fill="hold" nodeType="clickEffect">
+                                  <p:stCondLst>
+                                    <p:cond delay="0"/>
+                                  </p:stCondLst>
+                                  <p:childTnLst>
+                                    <p:set>
+                                      <p:cBhvr>
+                                        <p:cTn id="6" dur="1" fill="hold">
+                                          <p:stCondLst>
+                                            <p:cond delay="0"/>
+                                          </p:stCondLst>
+                                        </p:cTn>
+                                        <p:tgtEl>
+                                          <p:spTgt spid="6"/>
+                                        </p:tgtEl>
+                                        <p:attrNameLst>
+                                          <p:attrName>style.visibility</p:attrName>
+                                        </p:attrNameLst>
+                                      </p:cBhvr>
+                                      <p:to>
+                                        <p:strVal val="visible"/>
+                                      </p:to>
+                                    </p:set>
+                                    <p:animEffect transition="in" filter="wipe(left)">
+                                      <p:cBhvr>
+                                        <p:cTn id="7" dur="500"/>
+                                        <p:tgtEl>
+                                          <p:spTgt spid="6"/>
+                                        </p:tgtEl>
+                                      </p:cBhvr>
+                                    </p:animEffect>
+                                  </p:childTnLst>
+                                </p:cTn>
+                              </p:par>
+                            </p:childTnLst>
+                          </p:cTn>
+                        </p:par>
+                      </p:childTnLst>
+                    </p:cTn>
+                  </p:par>
+                </p:childTnLst>
+              </p:cTn>
+              <p:prevCondLst>
+                <p:cond evt="onPrev" delay="0">
+                  <p:tgtEl>
+                    <p:sldTgt/>
+                  </p:tgtEl>
+                </p:cond>
+              </p:prevCondLst>
+              <p:nextCondLst>
+                <p:cond evt="onNext" delay="0">
+                  <p:tgtEl>
+                    <p:sldTgt/>
+                  </p:tgtEl>
+                </p:cond>
+              </p:nextCondLst>
+            </p:seq>
+          </p:childTnLst>
+        </p:cTn>
+      </p:par>
+    </p:tnLst>
+  </p:timing>
 </p:sld>
 </file>
 
@@ -17616,9 +19365,179 @@
           <a:chExt cx="0" cy="0"/>
         </a:xfrm>
       </p:grpSpPr>
+      <p:graphicFrame>
+        <p:nvGraphicFramePr>
+          <p:cNvPr id="10" name="Objekt 9" hidden="1"/>
+          <p:cNvGraphicFramePr>
+            <a:graphicFrameLocks noChangeAspect="1"/>
+          </p:cNvGraphicFramePr>
+          <p:nvPr>
+            <p:custDataLst>
+              <p:tags r:id="rId1"/>
+            </p:custDataLst>
+          </p:nvPr>
+        </p:nvGraphicFramePr>
+        <p:xfrm>
+          <a:off x="1525588" y="1589"/>
+          <a:ext cx="1587" cy="1587"/>
+        </p:xfrm>
+        <a:graphic>
+          <a:graphicData uri="http://schemas.openxmlformats.org/presentationml/2006/ole">
+            <mc:AlternateContent xmlns:mc="http://schemas.openxmlformats.org/markup-compatibility/2006">
+              <mc:Choice xmlns:v="urn:schemas-microsoft-com:vml" Requires="v">
+                <p:oleObj name="think-cell Folie" r:id="rId4" imgW="360" imgH="360" progId="TCLayout.ActiveDocument.1">
+                  <p:embed/>
+                </p:oleObj>
+              </mc:Choice>
+              <mc:Fallback>
+                <p:oleObj name="think-cell Folie" r:id="rId4" imgW="360" imgH="360" progId="TCLayout.ActiveDocument.1">
+                  <p:embed/>
+                  <p:pic>
+                    <p:nvPicPr>
+                      <p:cNvPr id="10" name="Objekt 9" hidden="1"/>
+                      <p:cNvPicPr>
+                        <a:picLocks noChangeAspect="1" noChangeArrowheads="1"/>
+                      </p:cNvPicPr>
+                      <p:nvPr/>
+                    </p:nvPicPr>
+                    <p:blipFill>
+                      <a:blip r:embed="rId5">
+                        <a:extLst>
+                          <a:ext uri="{28A0092B-C50C-407E-A947-70E740481C1C}">
+                            <a14:useLocalDpi xmlns:a14="http://schemas.microsoft.com/office/drawing/2010/main" val="0"/>
+                          </a:ext>
+                        </a:extLst>
+                      </a:blip>
+                      <a:srcRect/>
+                      <a:stretch>
+                        <a:fillRect/>
+                      </a:stretch>
+                    </p:blipFill>
+                    <p:spPr bwMode="auto">
+                      <a:xfrm>
+                        <a:off x="1525588" y="1589"/>
+                        <a:ext cx="1587" cy="1587"/>
+                      </a:xfrm>
+                      <a:prstGeom prst="rect">
+                        <a:avLst/>
+                      </a:prstGeom>
+                      <a:noFill/>
+                      <a:extLst>
+                        <a:ext uri="{909E8E84-426E-40DD-AFC4-6F175D3DCCD1}">
+                          <a14:hiddenFill xmlns:a14="http://schemas.microsoft.com/office/drawing/2010/main">
+                            <a:solidFill>
+                              <a:srgbClr val="FFFFFF"/>
+                            </a:solidFill>
+                          </a14:hiddenFill>
+                        </a:ext>
+                      </a:extLst>
+                    </p:spPr>
+                  </p:pic>
+                </p:oleObj>
+              </mc:Fallback>
+            </mc:AlternateContent>
+          </a:graphicData>
+        </a:graphic>
+      </p:graphicFrame>
+      <p:grpSp>
+        <p:nvGrpSpPr>
+          <p:cNvPr id="6" name="Highlight"/>
+          <p:cNvGrpSpPr>
+            <a:grpSpLocks/>
+          </p:cNvGrpSpPr>
+          <p:nvPr/>
+        </p:nvGrpSpPr>
+        <p:grpSpPr bwMode="auto">
+          <a:xfrm>
+            <a:off x="330200" y="2152650"/>
+            <a:ext cx="11518900" cy="288776"/>
+            <a:chOff x="342" y="1063"/>
+            <a:chExt cx="4329" cy="276"/>
+          </a:xfrm>
+        </p:grpSpPr>
+        <p:sp>
+          <p:nvSpPr>
+            <p:cNvPr id="7" name="Rectangle 1042"/>
+            <p:cNvSpPr>
+              <a:spLocks noChangeArrowheads="1"/>
+            </p:cNvSpPr>
+            <p:nvPr/>
+          </p:nvSpPr>
+          <p:spPr bwMode="auto">
+            <a:xfrm>
+              <a:off x="342" y="1063"/>
+              <a:ext cx="3118" cy="276"/>
+            </a:xfrm>
+            <a:prstGeom prst="rect">
+              <a:avLst/>
+            </a:prstGeom>
+            <a:solidFill>
+              <a:srgbClr val="FFFF00"/>
+            </a:solidFill>
+            <a:ln w="7239">
+              <a:noFill/>
+              <a:miter lim="800000"/>
+              <a:headEnd/>
+              <a:tailEnd/>
+            </a:ln>
+          </p:spPr>
+          <p:txBody>
+            <a:bodyPr wrap="none" anchor="ctr"/>
+            <a:lstStyle/>
+            <a:p>
+              <a:pPr algn="r" eaLnBrk="0" hangingPunct="0"/>
+              <a:endParaRPr lang="de-DE" dirty="0"/>
+            </a:p>
+          </p:txBody>
+        </p:sp>
+        <p:sp>
+          <p:nvSpPr>
+            <p:cNvPr id="8" name="Rectangle 1043"/>
+            <p:cNvSpPr>
+              <a:spLocks noChangeArrowheads="1"/>
+            </p:cNvSpPr>
+            <p:nvPr/>
+          </p:nvSpPr>
+          <p:spPr bwMode="auto">
+            <a:xfrm>
+              <a:off x="3460" y="1063"/>
+              <a:ext cx="1211" cy="276"/>
+            </a:xfrm>
+            <a:prstGeom prst="rect">
+              <a:avLst/>
+            </a:prstGeom>
+            <a:gradFill flip="none" rotWithShape="1">
+              <a:gsLst>
+                <a:gs pos="0">
+                  <a:srgbClr val="FFFF00"/>
+                </a:gs>
+                <a:gs pos="100000">
+                  <a:srgbClr val="FFFFFF"/>
+                </a:gs>
+              </a:gsLst>
+              <a:lin ang="0" scaled="1"/>
+              <a:tileRect/>
+            </a:gradFill>
+            <a:ln w="7239">
+              <a:noFill/>
+              <a:miter lim="800000"/>
+              <a:headEnd/>
+              <a:tailEnd/>
+            </a:ln>
+          </p:spPr>
+          <p:txBody>
+            <a:bodyPr wrap="none" anchor="ctr"/>
+            <a:lstStyle/>
+            <a:p>
+              <a:pPr algn="r" eaLnBrk="0" hangingPunct="0"/>
+              <a:endParaRPr lang="de-DE" dirty="0"/>
+            </a:p>
+          </p:txBody>
+        </p:sp>
+      </p:grpSp>
       <p:sp>
         <p:nvSpPr>
-          <p:cNvPr id="2" name="Titel 1"/>
+          <p:cNvPr id="4" name="Titel 3"/>
           <p:cNvSpPr>
             <a:spLocks noGrp="1"/>
           </p:cNvSpPr>
@@ -17632,15 +19551,16 @@
           <a:lstStyle/>
           <a:p>
             <a:r>
-              <a:rPr lang="de-DE" dirty="0"/>
+              <a:rPr lang="en-GB" dirty="0" err="1"/>
               <a:t>Inhalt</a:t>
             </a:r>
+            <a:endParaRPr lang="en-GB" dirty="0"/>
           </a:p>
         </p:txBody>
       </p:sp>
       <p:sp>
         <p:nvSpPr>
-          <p:cNvPr id="3" name="Inhaltsplatzhalter 2"/>
+          <p:cNvPr id="14" name="Inhaltsplatzhalter 13"/>
           <p:cNvSpPr>
             <a:spLocks noGrp="1"/>
           </p:cNvSpPr>
@@ -17654,22 +19574,145 @@
           <a:lstStyle/>
           <a:p>
             <a:r>
+              <a:rPr lang="en-US" dirty="0" err="1"/>
+              <a:t>Informationen</a:t>
+            </a:r>
+            <a:r>
+              <a:rPr lang="en-US" dirty="0"/>
+              <a:t> </a:t>
+            </a:r>
+            <a:r>
+              <a:rPr lang="en-US" dirty="0" err="1"/>
+              <a:t>zur</a:t>
+            </a:r>
+            <a:r>
+              <a:rPr lang="en-US" dirty="0"/>
+              <a:t> Person</a:t>
+            </a:r>
+          </a:p>
+          <a:p>
+            <a:r>
+              <a:rPr lang="en-US" dirty="0" err="1"/>
+              <a:t>Einleitung</a:t>
+            </a:r>
+            <a:endParaRPr lang="en-US" dirty="0"/>
+          </a:p>
+          <a:p>
+            <a:r>
               <a:rPr lang="de-DE" dirty="0"/>
-              <a:t>Einleitung</a:t>
-            </a:r>
+              <a:t>Modulare Energieverteilung im Bordnetz</a:t>
+            </a:r>
+          </a:p>
+          <a:p>
+            <a:r>
+              <a:rPr lang="de-DE" dirty="0"/>
+              <a:t>Arbeitsfortschritt und nächste Schritte</a:t>
+            </a:r>
+          </a:p>
+          <a:p>
+            <a:r>
+              <a:rPr lang="de-DE" dirty="0"/>
+              <a:t>Finanzierung</a:t>
+            </a:r>
+          </a:p>
+          <a:p>
+            <a:endParaRPr lang="en-GB" dirty="0"/>
           </a:p>
         </p:txBody>
       </p:sp>
     </p:spTree>
     <p:extLst>
       <p:ext uri="{BB962C8B-B14F-4D97-AF65-F5344CB8AC3E}">
-        <p14:creationId xmlns:p14="http://schemas.microsoft.com/office/powerpoint/2010/main" val="3533296843"/>
+        <p14:creationId xmlns:p14="http://schemas.microsoft.com/office/powerpoint/2010/main" val="1364411193"/>
       </p:ext>
     </p:extLst>
   </p:cSld>
   <p:clrMapOvr>
     <a:masterClrMapping/>
   </p:clrMapOvr>
+  <p:timing>
+    <p:tnLst>
+      <p:par>
+        <p:cTn id="1" dur="indefinite" restart="never" nodeType="tmRoot">
+          <p:childTnLst>
+            <p:seq concurrent="1" nextAc="seek">
+              <p:cTn id="2" dur="indefinite" nodeType="mainSeq">
+                <p:childTnLst>
+                  <p:par>
+                    <p:cTn id="3" fill="hold">
+                      <p:stCondLst>
+                        <p:cond delay="indefinite"/>
+                      </p:stCondLst>
+                      <p:childTnLst>
+                        <p:par>
+                          <p:cTn id="4" fill="hold">
+                            <p:stCondLst>
+                              <p:cond delay="0"/>
+                            </p:stCondLst>
+                            <p:childTnLst>
+                              <p:par>
+                                <p:cTn id="5" presetID="22" presetClass="entr" presetSubtype="8" fill="hold" nodeType="clickEffect">
+                                  <p:stCondLst>
+                                    <p:cond delay="0"/>
+                                  </p:stCondLst>
+                                  <p:childTnLst>
+                                    <p:set>
+                                      <p:cBhvr>
+                                        <p:cTn id="6" dur="1" fill="hold">
+                                          <p:stCondLst>
+                                            <p:cond delay="0"/>
+                                          </p:stCondLst>
+                                        </p:cTn>
+                                        <p:tgtEl>
+                                          <p:spTgt spid="6"/>
+                                        </p:tgtEl>
+                                        <p:attrNameLst>
+                                          <p:attrName>style.visibility</p:attrName>
+                                        </p:attrNameLst>
+                                      </p:cBhvr>
+                                      <p:to>
+                                        <p:strVal val="visible"/>
+                                      </p:to>
+                                    </p:set>
+                                    <p:animEffect transition="in" filter="wipe(left)">
+                                      <p:cBhvr>
+                                        <p:cTn id="7" dur="500"/>
+                                        <p:tgtEl>
+                                          <p:spTgt spid="6"/>
+                                        </p:tgtEl>
+                                      </p:cBhvr>
+                                    </p:animEffect>
+                                  </p:childTnLst>
+                                </p:cTn>
+                              </p:par>
+                            </p:childTnLst>
+                          </p:cTn>
+                        </p:par>
+                      </p:childTnLst>
+                    </p:cTn>
+                  </p:par>
+                </p:childTnLst>
+              </p:cTn>
+              <p:prevCondLst>
+                <p:cond evt="onPrev" delay="0">
+                  <p:tgtEl>
+                    <p:sldTgt/>
+                  </p:tgtEl>
+                </p:cond>
+              </p:prevCondLst>
+              <p:nextCondLst>
+                <p:cond evt="onNext" delay="0">
+                  <p:tgtEl>
+                    <p:sldTgt/>
+                  </p:tgtEl>
+                </p:cond>
+              </p:nextCondLst>
+            </p:seq>
+          </p:childTnLst>
+        </p:cTn>
+      </p:par>
+    </p:tnLst>
+  </p:timing>
 </p:sld>
 </file>
 
@@ -21185,7 +23228,7 @@
           <a:p>
             <a:r>
               <a:rPr lang="de-DE" dirty="0"/>
-              <a:t>Softwarefunktionen</a:t>
+              <a:t>Modulare Energieverteilung im Bordnetz</a:t>
             </a:r>
             <a:endParaRPr lang="LID4096" dirty="0"/>
           </a:p>
@@ -21578,7 +23621,7 @@
         <p:spPr>
           <a:xfrm>
             <a:off x="240164" y="732848"/>
-            <a:ext cx="5711820" cy="369332"/>
+            <a:ext cx="6186309" cy="369332"/>
           </a:xfrm>
           <a:prstGeom prst="rect">
             <a:avLst/>
@@ -21592,10 +23635,18 @@
           <a:lstStyle/>
           <a:p>
             <a:r>
-              <a:rPr lang="de-DE" dirty="0"/>
+              <a:rPr lang="de-DE" b="1" dirty="0">
+                <a:solidFill>
+                  <a:schemeClr val="bg2"/>
+                </a:solidFill>
+              </a:rPr>
               <a:t>Definition der Kommunikation zwischen Komponenten</a:t>
             </a:r>
-            <a:endParaRPr lang="LID4096" dirty="0"/>
+            <a:endParaRPr lang="LID4096" b="1" dirty="0">
+              <a:solidFill>
+                <a:schemeClr val="bg2"/>
+              </a:solidFill>
+            </a:endParaRPr>
           </a:p>
         </p:txBody>
       </p:sp>
@@ -21758,7 +23809,7 @@
           <a:p>
             <a:r>
               <a:rPr lang="de-DE" dirty="0"/>
-              <a:t>Funktionsumfang</a:t>
+              <a:t>Modulare Energieverteilung im Bordnetz</a:t>
             </a:r>
             <a:endParaRPr lang="de-DE" sz="1800" b="0" dirty="0"/>
           </a:p>
@@ -21766,64 +23817,335 @@
       </p:sp>
       <p:sp>
         <p:nvSpPr>
-          <p:cNvPr id="3" name="Inhaltsplatzhalter 2"/>
-          <p:cNvSpPr>
-            <a:spLocks noGrp="1"/>
-          </p:cNvSpPr>
-          <p:nvPr>
-            <p:ph idx="1"/>
-          </p:nvPr>
+          <p:cNvPr id="6" name="Textfeld 5">
+            <a:extLst>
+              <a:ext uri="{FF2B5EF4-FFF2-40B4-BE49-F238E27FC236}">
+                <a16:creationId xmlns:a16="http://schemas.microsoft.com/office/drawing/2014/main" id="{57A8FCBB-0E4B-4062-8585-092176D9D3F8}"/>
+              </a:ext>
+            </a:extLst>
+          </p:cNvPr>
+          <p:cNvSpPr txBox="1"/>
+          <p:nvPr/>
         </p:nvSpPr>
         <p:spPr>
           <a:xfrm>
-            <a:off x="2268622" y="1412776"/>
-            <a:ext cx="6841321" cy="5144400"/>
+            <a:off x="4727850" y="1249556"/>
+            <a:ext cx="5256584" cy="2308324"/>
           </a:xfrm>
+          <a:prstGeom prst="rect">
+            <a:avLst/>
+          </a:prstGeom>
+          <a:noFill/>
         </p:spPr>
         <p:txBody>
-          <a:bodyPr/>
+          <a:bodyPr wrap="square" rtlCol="0">
+            <a:spAutoFit/>
+          </a:bodyPr>
           <a:lstStyle/>
           <a:p>
             <a:r>
-              <a:rPr lang="de-DE" dirty="0"/>
+              <a:rPr lang="de-DE" sz="1400" dirty="0"/>
               <a:t>Verbraucher und Quellen melden sich beim Zentralsteuergerät mit Energiebedarf/Leistung und Priorität an</a:t>
             </a:r>
           </a:p>
           <a:p>
-            <a:endParaRPr lang="de-DE" dirty="0"/>
-          </a:p>
-          <a:p>
-            <a:r>
-              <a:rPr lang="de-DE" dirty="0"/>
+            <a:endParaRPr lang="de-DE" sz="1400" dirty="0"/>
+          </a:p>
+          <a:p>
+            <a:r>
+              <a:rPr lang="de-DE" sz="1400" dirty="0"/>
+              <a:t>Quellen melden sich mit Effizienzprofil beim Zentralsteuergerät an</a:t>
+            </a:r>
+          </a:p>
+          <a:p>
+            <a:endParaRPr lang="de-DE" sz="1400" dirty="0"/>
+          </a:p>
+          <a:p>
+            <a:r>
+              <a:rPr lang="de-DE" sz="1400" dirty="0"/>
               <a:t>Zentralsteuergerät warnt wenn nicht genug Energie zur Verfügung gestellt werden kann</a:t>
             </a:r>
           </a:p>
           <a:p>
-            <a:endParaRPr lang="de-DE" dirty="0"/>
-          </a:p>
-          <a:p>
-            <a:r>
-              <a:rPr lang="de-DE" dirty="0"/>
-              <a:t>Quellen melden sich mit Effizienzprofil beim Zentralsteuergerät an</a:t>
-            </a:r>
-          </a:p>
-          <a:p>
-            <a:endParaRPr lang="de-DE" dirty="0"/>
-          </a:p>
-          <a:p>
-            <a:r>
-              <a:rPr lang="de-DE" dirty="0"/>
+            <a:endParaRPr lang="de-DE" sz="1400" dirty="0"/>
+          </a:p>
+          <a:p>
+            <a:endParaRPr lang="LID4096" dirty="0"/>
+          </a:p>
+        </p:txBody>
+      </p:sp>
+      <p:sp>
+        <p:nvSpPr>
+          <p:cNvPr id="7" name="Rechteck 6">
+            <a:extLst>
+              <a:ext uri="{FF2B5EF4-FFF2-40B4-BE49-F238E27FC236}">
+                <a16:creationId xmlns:a16="http://schemas.microsoft.com/office/drawing/2014/main" id="{F8F4ACC7-40F2-4F49-9E42-03FA09E3AB1C}"/>
+              </a:ext>
+            </a:extLst>
+          </p:cNvPr>
+          <p:cNvSpPr/>
+          <p:nvPr/>
+        </p:nvSpPr>
+        <p:spPr>
+          <a:xfrm>
+            <a:off x="4439816" y="1237476"/>
+            <a:ext cx="5544617" cy="2088232"/>
+          </a:xfrm>
+          <a:prstGeom prst="rect">
+            <a:avLst/>
+          </a:prstGeom>
+          <a:noFill/>
+          <a:ln w="12700">
+            <a:solidFill>
+              <a:schemeClr val="tx1"/>
+            </a:solidFill>
+          </a:ln>
+        </p:spPr>
+        <p:style>
+          <a:lnRef idx="2">
+            <a:schemeClr val="accent1">
+              <a:shade val="50000"/>
+            </a:schemeClr>
+          </a:lnRef>
+          <a:fillRef idx="1">
+            <a:schemeClr val="accent1"/>
+          </a:fillRef>
+          <a:effectRef idx="0">
+            <a:schemeClr val="accent1"/>
+          </a:effectRef>
+          <a:fontRef idx="minor">
+            <a:schemeClr val="lt1"/>
+          </a:fontRef>
+        </p:style>
+        <p:txBody>
+          <a:bodyPr rtlCol="0" anchor="ctr"/>
+          <a:lstStyle/>
+          <a:p>
+            <a:pPr algn="ctr"/>
+            <a:endParaRPr lang="LID4096" dirty="0" err="1">
+              <a:solidFill>
+                <a:schemeClr val="tx1"/>
+              </a:solidFill>
+            </a:endParaRPr>
+          </a:p>
+        </p:txBody>
+      </p:sp>
+      <p:sp>
+        <p:nvSpPr>
+          <p:cNvPr id="8" name="Textfeld 7">
+            <a:extLst>
+              <a:ext uri="{FF2B5EF4-FFF2-40B4-BE49-F238E27FC236}">
+                <a16:creationId xmlns:a16="http://schemas.microsoft.com/office/drawing/2014/main" id="{CEA0A5F0-126D-4266-BCD7-C92538FA38D6}"/>
+              </a:ext>
+            </a:extLst>
+          </p:cNvPr>
+          <p:cNvSpPr txBox="1"/>
+          <p:nvPr/>
+        </p:nvSpPr>
+        <p:spPr>
+          <a:xfrm>
+            <a:off x="4727849" y="4161894"/>
+            <a:ext cx="5256584" cy="1446550"/>
+          </a:xfrm>
+          <a:prstGeom prst="rect">
+            <a:avLst/>
+          </a:prstGeom>
+          <a:noFill/>
+        </p:spPr>
+        <p:txBody>
+          <a:bodyPr wrap="square" rtlCol="0">
+            <a:spAutoFit/>
+          </a:bodyPr>
+          <a:lstStyle/>
+          <a:p>
+            <a:r>
+              <a:rPr lang="de-DE" sz="1400" dirty="0"/>
               <a:t>Im Betrieb werden Lasten zwischen Quellen so verteilt dass die maximale Effizienz erreicht wird</a:t>
             </a:r>
           </a:p>
           <a:p>
-            <a:endParaRPr lang="de-DE" dirty="0"/>
-          </a:p>
-          <a:p>
-            <a:r>
-              <a:rPr lang="de-DE" dirty="0"/>
-              <a:t>Im Überlastung/Fehlerfall werden Verbraucher mit niedrigsten Prioritäten abgeschaltet.</a:t>
-            </a:r>
+            <a:endParaRPr lang="de-DE" sz="1400" dirty="0"/>
+          </a:p>
+          <a:p>
+            <a:r>
+              <a:rPr lang="de-DE" sz="1400" dirty="0"/>
+              <a:t>Im Überlastung/Fehlerfall werden Verbraucher mit niedrigsten Prioritäten abgeschaltet</a:t>
+            </a:r>
+          </a:p>
+          <a:p>
+            <a:endParaRPr lang="LID4096" dirty="0"/>
+          </a:p>
+        </p:txBody>
+      </p:sp>
+      <p:sp>
+        <p:nvSpPr>
+          <p:cNvPr id="9" name="Rechteck 8">
+            <a:extLst>
+              <a:ext uri="{FF2B5EF4-FFF2-40B4-BE49-F238E27FC236}">
+                <a16:creationId xmlns:a16="http://schemas.microsoft.com/office/drawing/2014/main" id="{F277F89F-5F30-42F5-B3CB-33B8E0A28207}"/>
+              </a:ext>
+            </a:extLst>
+          </p:cNvPr>
+          <p:cNvSpPr/>
+          <p:nvPr/>
+        </p:nvSpPr>
+        <p:spPr>
+          <a:xfrm>
+            <a:off x="4439815" y="4042891"/>
+            <a:ext cx="5544617" cy="1440160"/>
+          </a:xfrm>
+          <a:prstGeom prst="rect">
+            <a:avLst/>
+          </a:prstGeom>
+          <a:noFill/>
+          <a:ln w="12700">
+            <a:solidFill>
+              <a:schemeClr val="tx1"/>
+            </a:solidFill>
+          </a:ln>
+        </p:spPr>
+        <p:style>
+          <a:lnRef idx="2">
+            <a:schemeClr val="accent1">
+              <a:shade val="50000"/>
+            </a:schemeClr>
+          </a:lnRef>
+          <a:fillRef idx="1">
+            <a:schemeClr val="accent1"/>
+          </a:fillRef>
+          <a:effectRef idx="0">
+            <a:schemeClr val="accent1"/>
+          </a:effectRef>
+          <a:fontRef idx="minor">
+            <a:schemeClr val="lt1"/>
+          </a:fontRef>
+        </p:style>
+        <p:txBody>
+          <a:bodyPr rtlCol="0" anchor="ctr"/>
+          <a:lstStyle/>
+          <a:p>
+            <a:pPr algn="ctr"/>
+            <a:endParaRPr lang="LID4096" dirty="0" err="1">
+              <a:solidFill>
+                <a:schemeClr val="tx1"/>
+              </a:solidFill>
+            </a:endParaRPr>
+          </a:p>
+        </p:txBody>
+      </p:sp>
+      <p:sp>
+        <p:nvSpPr>
+          <p:cNvPr id="12" name="Textfeld 11">
+            <a:extLst>
+              <a:ext uri="{FF2B5EF4-FFF2-40B4-BE49-F238E27FC236}">
+                <a16:creationId xmlns:a16="http://schemas.microsoft.com/office/drawing/2014/main" id="{75E4FEE4-247E-4C3D-B6F4-0B9856A9984F}"/>
+              </a:ext>
+            </a:extLst>
+          </p:cNvPr>
+          <p:cNvSpPr txBox="1"/>
+          <p:nvPr/>
+        </p:nvSpPr>
+        <p:spPr>
+          <a:xfrm>
+            <a:off x="479376" y="1758514"/>
+            <a:ext cx="3600400" cy="369332"/>
+          </a:xfrm>
+          <a:prstGeom prst="rect">
+            <a:avLst/>
+          </a:prstGeom>
+          <a:noFill/>
+        </p:spPr>
+        <p:txBody>
+          <a:bodyPr wrap="square" rtlCol="0">
+            <a:spAutoFit/>
+          </a:bodyPr>
+          <a:lstStyle/>
+          <a:p>
+            <a:r>
+              <a:rPr lang="de-DE" b="1" dirty="0"/>
+              <a:t>Anschluss neuer Komponente</a:t>
+            </a:r>
+            <a:endParaRPr lang="LID4096" b="1" dirty="0"/>
+          </a:p>
+        </p:txBody>
+      </p:sp>
+      <p:sp>
+        <p:nvSpPr>
+          <p:cNvPr id="13" name="Textfeld 12">
+            <a:extLst>
+              <a:ext uri="{FF2B5EF4-FFF2-40B4-BE49-F238E27FC236}">
+                <a16:creationId xmlns:a16="http://schemas.microsoft.com/office/drawing/2014/main" id="{F5AFD970-FC9E-439D-8C1E-5D7E1FA574C6}"/>
+              </a:ext>
+            </a:extLst>
+          </p:cNvPr>
+          <p:cNvSpPr txBox="1"/>
+          <p:nvPr/>
+        </p:nvSpPr>
+        <p:spPr>
+          <a:xfrm>
+            <a:off x="1631504" y="4700503"/>
+            <a:ext cx="3600400" cy="369332"/>
+          </a:xfrm>
+          <a:prstGeom prst="rect">
+            <a:avLst/>
+          </a:prstGeom>
+          <a:noFill/>
+        </p:spPr>
+        <p:txBody>
+          <a:bodyPr wrap="square" rtlCol="0">
+            <a:spAutoFit/>
+          </a:bodyPr>
+          <a:lstStyle/>
+          <a:p>
+            <a:r>
+              <a:rPr lang="de-DE" b="1" dirty="0"/>
+              <a:t>Im Betrieb</a:t>
+            </a:r>
+            <a:endParaRPr lang="LID4096" b="1" dirty="0"/>
+          </a:p>
+        </p:txBody>
+      </p:sp>
+      <p:sp>
+        <p:nvSpPr>
+          <p:cNvPr id="16" name="Textfeld 15">
+            <a:extLst>
+              <a:ext uri="{FF2B5EF4-FFF2-40B4-BE49-F238E27FC236}">
+                <a16:creationId xmlns:a16="http://schemas.microsoft.com/office/drawing/2014/main" id="{7128578B-05C5-49B5-93BE-DE64FB9E88B8}"/>
+              </a:ext>
+            </a:extLst>
+          </p:cNvPr>
+          <p:cNvSpPr txBox="1"/>
+          <p:nvPr/>
+        </p:nvSpPr>
+        <p:spPr>
+          <a:xfrm>
+            <a:off x="240164" y="732848"/>
+            <a:ext cx="1428596" cy="369332"/>
+          </a:xfrm>
+          <a:prstGeom prst="rect">
+            <a:avLst/>
+          </a:prstGeom>
+          <a:noFill/>
+        </p:spPr>
+        <p:txBody>
+          <a:bodyPr wrap="none" rtlCol="0">
+            <a:spAutoFit/>
+          </a:bodyPr>
+          <a:lstStyle/>
+          <a:p>
+            <a:r>
+              <a:rPr lang="de-DE" b="1" dirty="0">
+                <a:solidFill>
+                  <a:schemeClr val="bg2"/>
+                </a:solidFill>
+              </a:rPr>
+              <a:t>Funktionen</a:t>
+            </a:r>
+            <a:endParaRPr lang="LID4096" b="1" dirty="0">
+              <a:solidFill>
+                <a:schemeClr val="bg2"/>
+              </a:solidFill>
+            </a:endParaRPr>
           </a:p>
         </p:txBody>
       </p:sp>
@@ -21843,6 +24165,12 @@
 <file path=ppt/tags/tag1.xml><?xml version="1.0" encoding="utf-8"?>
 <p:tagLst xmlns:a="http://schemas.openxmlformats.org/drawingml/2006/main" xmlns:r="http://schemas.openxmlformats.org/officeDocument/2006/relationships" xmlns:p="http://schemas.openxmlformats.org/presentationml/2006/main">
   <p:tag name="THINKCELLUNDODONOTDELETE" val="0"/>
+</p:tagLst>
+</file>
+
+<file path=ppt/tags/tag10.xml><?xml version="1.0" encoding="utf-8"?>
+<p:tagLst xmlns:a="http://schemas.openxmlformats.org/drawingml/2006/main" xmlns:r="http://schemas.openxmlformats.org/officeDocument/2006/relationships" xmlns:p="http://schemas.openxmlformats.org/presentationml/2006/main">
+  <p:tag name="THINKCELLSHAPEDONOTDELETE" val="thinkcellActiveDocDoNotDelete"/>
 </p:tagLst>
 </file>
 
@@ -21865,6 +24193,30 @@
 </file>
 
 <file path=ppt/tags/tag5.xml><?xml version="1.0" encoding="utf-8"?>
+<p:tagLst xmlns:a="http://schemas.openxmlformats.org/drawingml/2006/main" xmlns:r="http://schemas.openxmlformats.org/officeDocument/2006/relationships" xmlns:p="http://schemas.openxmlformats.org/presentationml/2006/main">
+  <p:tag name="THINKCELLSHAPEDONOTDELETE" val="thinkcellActiveDocDoNotDelete"/>
+</p:tagLst>
+</file>
+
+<file path=ppt/tags/tag6.xml><?xml version="1.0" encoding="utf-8"?>
+<p:tagLst xmlns:a="http://schemas.openxmlformats.org/drawingml/2006/main" xmlns:r="http://schemas.openxmlformats.org/officeDocument/2006/relationships" xmlns:p="http://schemas.openxmlformats.org/presentationml/2006/main">
+  <p:tag name="THINKCELLSHAPEDONOTDELETE" val="thinkcellActiveDocDoNotDelete"/>
+</p:tagLst>
+</file>
+
+<file path=ppt/tags/tag7.xml><?xml version="1.0" encoding="utf-8"?>
+<p:tagLst xmlns:a="http://schemas.openxmlformats.org/drawingml/2006/main" xmlns:r="http://schemas.openxmlformats.org/officeDocument/2006/relationships" xmlns:p="http://schemas.openxmlformats.org/presentationml/2006/main">
+  <p:tag name="THINKCELLSHAPEDONOTDELETE" val="thinkcellActiveDocDoNotDelete"/>
+</p:tagLst>
+</file>
+
+<file path=ppt/tags/tag8.xml><?xml version="1.0" encoding="utf-8"?>
+<p:tagLst xmlns:a="http://schemas.openxmlformats.org/drawingml/2006/main" xmlns:r="http://schemas.openxmlformats.org/officeDocument/2006/relationships" xmlns:p="http://schemas.openxmlformats.org/presentationml/2006/main">
+  <p:tag name="THINKCELLSHAPEDONOTDELETE" val="thinkcellActiveDocDoNotDelete"/>
+</p:tagLst>
+</file>
+
+<file path=ppt/tags/tag9.xml><?xml version="1.0" encoding="utf-8"?>
 <p:tagLst xmlns:a="http://schemas.openxmlformats.org/drawingml/2006/main" xmlns:r="http://schemas.openxmlformats.org/officeDocument/2006/relationships" xmlns:p="http://schemas.openxmlformats.org/presentationml/2006/main">
   <p:tag name="THINKCELLSHAPEDONOTDELETE" val="thinkcellActiveDocDoNotDelete"/>
 </p:tagLst>

--- a/Themenstellung.pptx
+++ b/Themenstellung.pptx
@@ -352,7 +352,7 @@
             <a:fld id="{3B1880FF-5A4E-4F25-9CEE-0D75F7C3E5E1}" type="datetimeFigureOut">
               <a:rPr lang="de-DE" smtClean="0"/>
               <a:pPr/>
-              <a:t>27.03.2021</a:t>
+              <a:t>29.03.2021</a:t>
             </a:fld>
             <a:endParaRPr lang="de-DE"/>
           </a:p>
@@ -452,7 +452,7 @@
             <a:fld id="{4D31F1D7-8377-4A76-8F5D-3E76EEE25737}" type="datetimeFigureOut">
               <a:rPr lang="de-DE" smtClean="0"/>
               <a:pPr/>
-              <a:t>27.03.2021</a:t>
+              <a:t>29.03.2021</a:t>
             </a:fld>
             <a:endParaRPr lang="de-DE"/>
           </a:p>
@@ -868,6 +868,91 @@
             <a:fld id="{45A0C133-2FF1-4A65-8FB9-994063EC256F}" type="slidenum">
               <a:rPr lang="de-DE" smtClean="0"/>
               <a:pPr/>
+              <a:t>11</a:t>
+            </a:fld>
+            <a:endParaRPr lang="de-DE"/>
+          </a:p>
+        </p:txBody>
+      </p:sp>
+    </p:spTree>
+    <p:extLst>
+      <p:ext uri="{BB962C8B-B14F-4D97-AF65-F5344CB8AC3E}">
+        <p14:creationId xmlns:p14="http://schemas.microsoft.com/office/powerpoint/2010/main" val="2743334740"/>
+      </p:ext>
+    </p:extLst>
+  </p:cSld>
+  <p:clrMapOvr>
+    <a:masterClrMapping/>
+  </p:clrMapOvr>
+</p:notes>
+</file>
+
+<file path=ppt/notesSlides/notesSlide11.xml><?xml version="1.0" encoding="utf-8"?>
+<p:notes xmlns:a="http://schemas.openxmlformats.org/drawingml/2006/main" xmlns:r="http://schemas.openxmlformats.org/officeDocument/2006/relationships" xmlns:p="http://schemas.openxmlformats.org/presentationml/2006/main">
+  <p:cSld>
+    <p:spTree>
+      <p:nvGrpSpPr>
+        <p:cNvPr id="1" name=""/>
+        <p:cNvGrpSpPr/>
+        <p:nvPr/>
+      </p:nvGrpSpPr>
+      <p:grpSpPr>
+        <a:xfrm>
+          <a:off x="0" y="0"/>
+          <a:ext cx="0" cy="0"/>
+          <a:chOff x="0" y="0"/>
+          <a:chExt cx="0" cy="0"/>
+        </a:xfrm>
+      </p:grpSpPr>
+      <p:sp>
+        <p:nvSpPr>
+          <p:cNvPr id="2" name="Folienbildplatzhalter 1"/>
+          <p:cNvSpPr>
+            <a:spLocks noGrp="1" noRot="1" noChangeAspect="1"/>
+          </p:cNvSpPr>
+          <p:nvPr>
+            <p:ph type="sldImg"/>
+          </p:nvPr>
+        </p:nvSpPr>
+        <p:spPr/>
+      </p:sp>
+      <p:sp>
+        <p:nvSpPr>
+          <p:cNvPr id="3" name="Notizenplatzhalter 2"/>
+          <p:cNvSpPr>
+            <a:spLocks noGrp="1"/>
+          </p:cNvSpPr>
+          <p:nvPr>
+            <p:ph type="body" idx="1"/>
+          </p:nvPr>
+        </p:nvSpPr>
+        <p:spPr/>
+        <p:txBody>
+          <a:bodyPr/>
+          <a:lstStyle/>
+          <a:p>
+            <a:endParaRPr lang="en-US" dirty="0"/>
+          </a:p>
+        </p:txBody>
+      </p:sp>
+      <p:sp>
+        <p:nvSpPr>
+          <p:cNvPr id="4" name="Foliennummernplatzhalter 3"/>
+          <p:cNvSpPr>
+            <a:spLocks noGrp="1"/>
+          </p:cNvSpPr>
+          <p:nvPr>
+            <p:ph type="sldNum" sz="quarter" idx="10"/>
+          </p:nvPr>
+        </p:nvSpPr>
+        <p:spPr/>
+        <p:txBody>
+          <a:bodyPr/>
+          <a:lstStyle/>
+          <a:p>
+            <a:fld id="{45A0C133-2FF1-4A65-8FB9-994063EC256F}" type="slidenum">
+              <a:rPr lang="de-DE" smtClean="0"/>
+              <a:pPr/>
               <a:t>13</a:t>
             </a:fld>
             <a:endParaRPr lang="de-DE"/>
@@ -1463,7 +1548,7 @@
             <a:fld id="{45A0C133-2FF1-4A65-8FB9-994063EC256F}" type="slidenum">
               <a:rPr lang="de-DE" smtClean="0"/>
               <a:pPr/>
-              <a:t>10</a:t>
+              <a:t>9</a:t>
             </a:fld>
             <a:endParaRPr lang="de-DE"/>
           </a:p>
@@ -1472,7 +1557,7 @@
     </p:spTree>
     <p:extLst>
       <p:ext uri="{BB962C8B-B14F-4D97-AF65-F5344CB8AC3E}">
-        <p14:creationId xmlns:p14="http://schemas.microsoft.com/office/powerpoint/2010/main" val="793798481"/>
+        <p14:creationId xmlns:p14="http://schemas.microsoft.com/office/powerpoint/2010/main" val="757160071"/>
       </p:ext>
     </p:extLst>
   </p:cSld>
@@ -1526,7 +1611,7 @@
           <a:bodyPr/>
           <a:lstStyle/>
           <a:p>
-            <a:endParaRPr lang="en-US" dirty="0"/>
+            <a:endParaRPr lang="LID4096" dirty="0"/>
           </a:p>
         </p:txBody>
       </p:sp>
@@ -1537,7 +1622,7 @@
             <a:spLocks noGrp="1"/>
           </p:cNvSpPr>
           <p:nvPr>
-            <p:ph type="sldNum" sz="quarter" idx="10"/>
+            <p:ph type="sldNum" sz="quarter" idx="5"/>
           </p:nvPr>
         </p:nvSpPr>
         <p:spPr/>
@@ -1548,7 +1633,7 @@
             <a:fld id="{45A0C133-2FF1-4A65-8FB9-994063EC256F}" type="slidenum">
               <a:rPr lang="de-DE" smtClean="0"/>
               <a:pPr/>
-              <a:t>11</a:t>
+              <a:t>10</a:t>
             </a:fld>
             <a:endParaRPr lang="de-DE"/>
           </a:p>
@@ -1557,7 +1642,7 @@
     </p:spTree>
     <p:extLst>
       <p:ext uri="{BB962C8B-B14F-4D97-AF65-F5344CB8AC3E}">
-        <p14:creationId xmlns:p14="http://schemas.microsoft.com/office/powerpoint/2010/main" val="2743334740"/>
+        <p14:creationId xmlns:p14="http://schemas.microsoft.com/office/powerpoint/2010/main" val="793798481"/>
       </p:ext>
     </p:extLst>
   </p:cSld>
@@ -6548,7 +6633,7 @@
                 <a:ea typeface="+mn-ea"/>
                 <a:cs typeface="Arial" pitchFamily="34" charset="0"/>
               </a:rPr>
-              <a:t>2017</a:t>
+              <a:t>2021</a:t>
             </a:r>
             <a:r>
               <a:rPr kumimoji="0" lang="en-US" sz="900" b="0" i="0" u="none" strike="noStrike" kern="1200" cap="none" spc="0" normalizeH="0" baseline="0" noProof="0" dirty="0">
@@ -6705,22 +6790,15 @@
               <a:defRPr/>
             </a:pPr>
             <a:r>
-              <a:rPr lang="en-US" sz="900">
+              <a:rPr lang="en-US" sz="900" dirty="0">
                 <a:solidFill>
                   <a:schemeClr val="bg2"/>
                 </a:solidFill>
                 <a:latin typeface="Arial" pitchFamily="34" charset="0"/>
                 <a:cs typeface="Arial" pitchFamily="34" charset="0"/>
               </a:rPr>
-              <a:t>30.07.2018</a:t>
-            </a:r>
-            <a:endParaRPr lang="en-US" sz="900" dirty="0">
-              <a:solidFill>
-                <a:schemeClr val="bg2"/>
-              </a:solidFill>
-              <a:latin typeface="Arial" pitchFamily="34" charset="0"/>
-              <a:cs typeface="Arial" pitchFamily="34" charset="0"/>
-            </a:endParaRPr>
+              <a:t>29.03.2021</a:t>
+            </a:r>
           </a:p>
         </p:txBody>
       </p:sp>
@@ -6860,22 +6938,15 @@
               <a:defRPr/>
             </a:pPr>
             <a:r>
-              <a:rPr lang="en-US" sz="900">
+              <a:rPr lang="en-US" sz="900" dirty="0">
                 <a:solidFill>
                   <a:schemeClr val="bg2"/>
                 </a:solidFill>
                 <a:latin typeface="Arial" pitchFamily="34" charset="0"/>
                 <a:cs typeface="Arial" pitchFamily="34" charset="0"/>
               </a:rPr>
-              <a:t>#800 · 18MLI0007.pptx</a:t>
-            </a:r>
-            <a:endParaRPr lang="en-US" sz="900" dirty="0">
-              <a:solidFill>
-                <a:schemeClr val="bg2"/>
-              </a:solidFill>
-              <a:latin typeface="Arial" pitchFamily="34" charset="0"/>
-              <a:cs typeface="Arial" pitchFamily="34" charset="0"/>
-            </a:endParaRPr>
+              <a:t>#800 · Themenstellung.pptx</a:t>
+            </a:r>
           </a:p>
         </p:txBody>
       </p:sp>
@@ -16817,15 +16888,7 @@
             <a:pPr lvl="1"/>
             <a:r>
               <a:rPr lang="de-DE" dirty="0"/>
-              <a:t>Schaltungs- und </a:t>
-            </a:r>
-            <a:r>
-              <a:rPr lang="de-DE" dirty="0" err="1"/>
-              <a:t>Layoutentfür</a:t>
-            </a:r>
-            <a:r>
-              <a:rPr lang="de-DE" dirty="0"/>
-              <a:t> für eine modulare PDU</a:t>
+              <a:t>Schaltungs- und Layoutentwurf für eine modulare PDU</a:t>
             </a:r>
           </a:p>
           <a:p>
@@ -17766,7 +17829,7 @@
             </a:r>
             <a:r>
               <a:rPr lang="de-DE" dirty="0"/>
-              <a:t>Studium: Automatisierungstechnik Master am RWTH Aachen</a:t>
+              <a:t>Studium: Automatisierungstechnik Master an der RWTH Aachen</a:t>
             </a:r>
           </a:p>
           <a:p>
@@ -17779,7 +17842,7 @@
             </a:r>
             <a:r>
               <a:rPr lang="de-DE" dirty="0"/>
-              <a:t>Studium: Maschinenbau Bachelor mit Vertiefung Fahrzeugtechnik am 		RWTH Aachen</a:t>
+              <a:t>Studium: Maschinenbau Bachelor mit Vertiefung Fahrzeugtechnik an 		der RWTH Aachen</a:t>
             </a:r>
             <a:endParaRPr lang="LID4096" dirty="0"/>
           </a:p>
@@ -23794,92 +23857,10 @@
       </p:grpSpPr>
       <p:sp>
         <p:nvSpPr>
-          <p:cNvPr id="2" name="Titel 1"/>
-          <p:cNvSpPr>
-            <a:spLocks noGrp="1"/>
-          </p:cNvSpPr>
-          <p:nvPr>
-            <p:ph type="title"/>
-          </p:nvPr>
-        </p:nvSpPr>
-        <p:spPr/>
-        <p:txBody>
-          <a:bodyPr/>
-          <a:lstStyle/>
-          <a:p>
-            <a:r>
-              <a:rPr lang="de-DE" dirty="0"/>
-              <a:t>Modulare Energieverteilung im Bordnetz</a:t>
-            </a:r>
-            <a:endParaRPr lang="de-DE" sz="1800" b="0" dirty="0"/>
-          </a:p>
-        </p:txBody>
-      </p:sp>
-      <p:sp>
-        <p:nvSpPr>
-          <p:cNvPr id="6" name="Textfeld 5">
+          <p:cNvPr id="9" name="Rechteck 8">
             <a:extLst>
               <a:ext uri="{FF2B5EF4-FFF2-40B4-BE49-F238E27FC236}">
-                <a16:creationId xmlns:a16="http://schemas.microsoft.com/office/drawing/2014/main" id="{57A8FCBB-0E4B-4062-8585-092176D9D3F8}"/>
-              </a:ext>
-            </a:extLst>
-          </p:cNvPr>
-          <p:cNvSpPr txBox="1"/>
-          <p:nvPr/>
-        </p:nvSpPr>
-        <p:spPr>
-          <a:xfrm>
-            <a:off x="4727850" y="1249556"/>
-            <a:ext cx="5256584" cy="2308324"/>
-          </a:xfrm>
-          <a:prstGeom prst="rect">
-            <a:avLst/>
-          </a:prstGeom>
-          <a:noFill/>
-        </p:spPr>
-        <p:txBody>
-          <a:bodyPr wrap="square" rtlCol="0">
-            <a:spAutoFit/>
-          </a:bodyPr>
-          <a:lstStyle/>
-          <a:p>
-            <a:r>
-              <a:rPr lang="de-DE" sz="1400" dirty="0"/>
-              <a:t>Verbraucher und Quellen melden sich beim Zentralsteuergerät mit Energiebedarf/Leistung und Priorität an</a:t>
-            </a:r>
-          </a:p>
-          <a:p>
-            <a:endParaRPr lang="de-DE" sz="1400" dirty="0"/>
-          </a:p>
-          <a:p>
-            <a:r>
-              <a:rPr lang="de-DE" sz="1400" dirty="0"/>
-              <a:t>Quellen melden sich mit Effizienzprofil beim Zentralsteuergerät an</a:t>
-            </a:r>
-          </a:p>
-          <a:p>
-            <a:endParaRPr lang="de-DE" sz="1400" dirty="0"/>
-          </a:p>
-          <a:p>
-            <a:r>
-              <a:rPr lang="de-DE" sz="1400" dirty="0"/>
-              <a:t>Zentralsteuergerät warnt wenn nicht genug Energie zur Verfügung gestellt werden kann</a:t>
-            </a:r>
-          </a:p>
-          <a:p>
-            <a:endParaRPr lang="de-DE" sz="1400" dirty="0"/>
-          </a:p>
-          <a:p>
-            <a:endParaRPr lang="LID4096" dirty="0"/>
-          </a:p>
-        </p:txBody>
-      </p:sp>
-      <p:sp>
-        <p:nvSpPr>
-          <p:cNvPr id="7" name="Rechteck 6">
-            <a:extLst>
-              <a:ext uri="{FF2B5EF4-FFF2-40B4-BE49-F238E27FC236}">
-                <a16:creationId xmlns:a16="http://schemas.microsoft.com/office/drawing/2014/main" id="{F8F4ACC7-40F2-4F49-9E42-03FA09E3AB1C}"/>
+                <a16:creationId xmlns:a16="http://schemas.microsoft.com/office/drawing/2014/main" id="{F277F89F-5F30-42F5-B3CB-33B8E0A28207}"/>
               </a:ext>
             </a:extLst>
           </p:cNvPr>
@@ -23888,13 +23869,18 @@
         </p:nvSpPr>
         <p:spPr>
           <a:xfrm>
-            <a:off x="4439816" y="1237476"/>
-            <a:ext cx="5544617" cy="2088232"/>
+            <a:off x="4439815" y="4042891"/>
+            <a:ext cx="5544617" cy="1440160"/>
           </a:xfrm>
           <a:prstGeom prst="rect">
             <a:avLst/>
           </a:prstGeom>
-          <a:noFill/>
+          <a:solidFill>
+            <a:schemeClr val="accent6">
+              <a:lumMod val="20000"/>
+              <a:lumOff val="80000"/>
+            </a:schemeClr>
+          </a:solidFill>
           <a:ln w="12700">
             <a:solidFill>
               <a:schemeClr val="tx1"/>
@@ -23927,6 +23913,149 @@
                 <a:schemeClr val="tx1"/>
               </a:solidFill>
             </a:endParaRPr>
+          </a:p>
+        </p:txBody>
+      </p:sp>
+      <p:sp>
+        <p:nvSpPr>
+          <p:cNvPr id="7" name="Rechteck 6">
+            <a:extLst>
+              <a:ext uri="{FF2B5EF4-FFF2-40B4-BE49-F238E27FC236}">
+                <a16:creationId xmlns:a16="http://schemas.microsoft.com/office/drawing/2014/main" id="{F8F4ACC7-40F2-4F49-9E42-03FA09E3AB1C}"/>
+              </a:ext>
+            </a:extLst>
+          </p:cNvPr>
+          <p:cNvSpPr/>
+          <p:nvPr/>
+        </p:nvSpPr>
+        <p:spPr>
+          <a:xfrm>
+            <a:off x="4439816" y="1237476"/>
+            <a:ext cx="5544617" cy="2088232"/>
+          </a:xfrm>
+          <a:prstGeom prst="rect">
+            <a:avLst/>
+          </a:prstGeom>
+          <a:solidFill>
+            <a:schemeClr val="accent5">
+              <a:lumMod val="20000"/>
+              <a:lumOff val="80000"/>
+            </a:schemeClr>
+          </a:solidFill>
+          <a:ln w="12700">
+            <a:solidFill>
+              <a:schemeClr val="tx1"/>
+            </a:solidFill>
+          </a:ln>
+        </p:spPr>
+        <p:style>
+          <a:lnRef idx="2">
+            <a:schemeClr val="accent1">
+              <a:shade val="50000"/>
+            </a:schemeClr>
+          </a:lnRef>
+          <a:fillRef idx="1">
+            <a:schemeClr val="accent1"/>
+          </a:fillRef>
+          <a:effectRef idx="0">
+            <a:schemeClr val="accent1"/>
+          </a:effectRef>
+          <a:fontRef idx="minor">
+            <a:schemeClr val="lt1"/>
+          </a:fontRef>
+        </p:style>
+        <p:txBody>
+          <a:bodyPr rtlCol="0" anchor="ctr"/>
+          <a:lstStyle/>
+          <a:p>
+            <a:pPr algn="ctr"/>
+            <a:endParaRPr lang="LID4096" dirty="0" err="1">
+              <a:solidFill>
+                <a:schemeClr val="tx1"/>
+              </a:solidFill>
+            </a:endParaRPr>
+          </a:p>
+        </p:txBody>
+      </p:sp>
+      <p:sp>
+        <p:nvSpPr>
+          <p:cNvPr id="2" name="Titel 1"/>
+          <p:cNvSpPr>
+            <a:spLocks noGrp="1"/>
+          </p:cNvSpPr>
+          <p:nvPr>
+            <p:ph type="title"/>
+          </p:nvPr>
+        </p:nvSpPr>
+        <p:spPr/>
+        <p:txBody>
+          <a:bodyPr/>
+          <a:lstStyle/>
+          <a:p>
+            <a:r>
+              <a:rPr lang="de-DE" dirty="0"/>
+              <a:t>Modulare Energieverteilung im Bordnetz</a:t>
+            </a:r>
+            <a:endParaRPr lang="de-DE" sz="1800" b="0" dirty="0"/>
+          </a:p>
+        </p:txBody>
+      </p:sp>
+      <p:sp>
+        <p:nvSpPr>
+          <p:cNvPr id="6" name="Textfeld 5">
+            <a:extLst>
+              <a:ext uri="{FF2B5EF4-FFF2-40B4-BE49-F238E27FC236}">
+                <a16:creationId xmlns:a16="http://schemas.microsoft.com/office/drawing/2014/main" id="{57A8FCBB-0E4B-4062-8585-092176D9D3F8}"/>
+              </a:ext>
+            </a:extLst>
+          </p:cNvPr>
+          <p:cNvSpPr txBox="1"/>
+          <p:nvPr/>
+        </p:nvSpPr>
+        <p:spPr>
+          <a:xfrm>
+            <a:off x="4726799" y="1344226"/>
+            <a:ext cx="5256584" cy="2308324"/>
+          </a:xfrm>
+          <a:prstGeom prst="rect">
+            <a:avLst/>
+          </a:prstGeom>
+          <a:noFill/>
+        </p:spPr>
+        <p:txBody>
+          <a:bodyPr wrap="square" rtlCol="0">
+            <a:spAutoFit/>
+          </a:bodyPr>
+          <a:lstStyle/>
+          <a:p>
+            <a:r>
+              <a:rPr lang="de-DE" sz="1400" dirty="0"/>
+              <a:t>Verbraucher und Quellen melden sich beim Zentralsteuergerät mit Energiebedarf/Leistung und Priorität an</a:t>
+            </a:r>
+          </a:p>
+          <a:p>
+            <a:endParaRPr lang="de-DE" sz="1400" dirty="0"/>
+          </a:p>
+          <a:p>
+            <a:r>
+              <a:rPr lang="de-DE" sz="1400" dirty="0"/>
+              <a:t>Quellen melden sich mit Effizienzprofil beim Zentralsteuergerät an</a:t>
+            </a:r>
+          </a:p>
+          <a:p>
+            <a:endParaRPr lang="de-DE" sz="1400" dirty="0"/>
+          </a:p>
+          <a:p>
+            <a:r>
+              <a:rPr lang="de-DE" sz="1400" dirty="0"/>
+              <a:t>Zentralsteuergerät warnt wenn nicht genug Energie zur Verfügung gestellt werden kann</a:t>
+            </a:r>
+          </a:p>
+          <a:p>
+            <a:endParaRPr lang="de-DE" sz="1400" dirty="0"/>
+          </a:p>
+          <a:p>
+            <a:endParaRPr lang="LID4096" dirty="0"/>
           </a:p>
         </p:txBody>
       </p:sp>
@@ -23979,62 +24108,6 @@
       </p:sp>
       <p:sp>
         <p:nvSpPr>
-          <p:cNvPr id="9" name="Rechteck 8">
-            <a:extLst>
-              <a:ext uri="{FF2B5EF4-FFF2-40B4-BE49-F238E27FC236}">
-                <a16:creationId xmlns:a16="http://schemas.microsoft.com/office/drawing/2014/main" id="{F277F89F-5F30-42F5-B3CB-33B8E0A28207}"/>
-              </a:ext>
-            </a:extLst>
-          </p:cNvPr>
-          <p:cNvSpPr/>
-          <p:nvPr/>
-        </p:nvSpPr>
-        <p:spPr>
-          <a:xfrm>
-            <a:off x="4439815" y="4042891"/>
-            <a:ext cx="5544617" cy="1440160"/>
-          </a:xfrm>
-          <a:prstGeom prst="rect">
-            <a:avLst/>
-          </a:prstGeom>
-          <a:noFill/>
-          <a:ln w="12700">
-            <a:solidFill>
-              <a:schemeClr val="tx1"/>
-            </a:solidFill>
-          </a:ln>
-        </p:spPr>
-        <p:style>
-          <a:lnRef idx="2">
-            <a:schemeClr val="accent1">
-              <a:shade val="50000"/>
-            </a:schemeClr>
-          </a:lnRef>
-          <a:fillRef idx="1">
-            <a:schemeClr val="accent1"/>
-          </a:fillRef>
-          <a:effectRef idx="0">
-            <a:schemeClr val="accent1"/>
-          </a:effectRef>
-          <a:fontRef idx="minor">
-            <a:schemeClr val="lt1"/>
-          </a:fontRef>
-        </p:style>
-        <p:txBody>
-          <a:bodyPr rtlCol="0" anchor="ctr"/>
-          <a:lstStyle/>
-          <a:p>
-            <a:pPr algn="ctr"/>
-            <a:endParaRPr lang="LID4096" dirty="0" err="1">
-              <a:solidFill>
-                <a:schemeClr val="tx1"/>
-              </a:solidFill>
-            </a:endParaRPr>
-          </a:p>
-        </p:txBody>
-      </p:sp>
-      <p:sp>
-        <p:nvSpPr>
           <p:cNvPr id="12" name="Textfeld 11">
             <a:extLst>
               <a:ext uri="{FF2B5EF4-FFF2-40B4-BE49-F238E27FC236}">
@@ -24047,8 +24120,8 @@
         </p:nvSpPr>
         <p:spPr>
           <a:xfrm>
-            <a:off x="479376" y="1758514"/>
-            <a:ext cx="3600400" cy="369332"/>
+            <a:off x="982908" y="1758514"/>
+            <a:ext cx="3600400" cy="646331"/>
           </a:xfrm>
           <a:prstGeom prst="rect">
             <a:avLst/>
@@ -24063,7 +24136,7 @@
           <a:p>
             <a:r>
               <a:rPr lang="de-DE" b="1" dirty="0"/>
-              <a:t>Anschluss neuer Komponente</a:t>
+              <a:t>Anschluss neuer Komponente/Start</a:t>
             </a:r>
             <a:endParaRPr lang="LID4096" b="1" dirty="0"/>
           </a:p>
@@ -24083,7 +24156,7 @@
         </p:nvSpPr>
         <p:spPr>
           <a:xfrm>
-            <a:off x="1631504" y="4700503"/>
+            <a:off x="1343472" y="4578305"/>
             <a:ext cx="3600400" cy="369332"/>
           </a:xfrm>
           <a:prstGeom prst="rect">
@@ -24144,6 +24217,64 @@
             <a:endParaRPr lang="LID4096" b="1" dirty="0">
               <a:solidFill>
                 <a:schemeClr val="bg2"/>
+              </a:solidFill>
+            </a:endParaRPr>
+          </a:p>
+        </p:txBody>
+      </p:sp>
+      <p:sp>
+        <p:nvSpPr>
+          <p:cNvPr id="3" name="Pfeil: nach unten 2">
+            <a:extLst>
+              <a:ext uri="{FF2B5EF4-FFF2-40B4-BE49-F238E27FC236}">
+                <a16:creationId xmlns:a16="http://schemas.microsoft.com/office/drawing/2014/main" id="{28E65867-5587-439B-AB75-6C785B96E2E4}"/>
+              </a:ext>
+            </a:extLst>
+          </p:cNvPr>
+          <p:cNvSpPr/>
+          <p:nvPr/>
+        </p:nvSpPr>
+        <p:spPr>
+          <a:xfrm>
+            <a:off x="6852083" y="3397703"/>
+            <a:ext cx="720080" cy="613891"/>
+          </a:xfrm>
+          <a:prstGeom prst="downArrow">
+            <a:avLst/>
+          </a:prstGeom>
+          <a:solidFill>
+            <a:schemeClr val="tx1"/>
+          </a:solidFill>
+          <a:ln w="12700">
+            <a:solidFill>
+              <a:schemeClr val="tx1"/>
+            </a:solidFill>
+          </a:ln>
+        </p:spPr>
+        <p:style>
+          <a:lnRef idx="2">
+            <a:schemeClr val="accent1">
+              <a:shade val="50000"/>
+            </a:schemeClr>
+          </a:lnRef>
+          <a:fillRef idx="1">
+            <a:schemeClr val="accent1"/>
+          </a:fillRef>
+          <a:effectRef idx="0">
+            <a:schemeClr val="accent1"/>
+          </a:effectRef>
+          <a:fontRef idx="minor">
+            <a:schemeClr val="lt1"/>
+          </a:fontRef>
+        </p:style>
+        <p:txBody>
+          <a:bodyPr rtlCol="0" anchor="ctr"/>
+          <a:lstStyle/>
+          <a:p>
+            <a:pPr algn="ctr"/>
+            <a:endParaRPr lang="LID4096" dirty="0" err="1">
+              <a:solidFill>
+                <a:schemeClr val="tx1"/>
               </a:solidFill>
             </a:endParaRPr>
           </a:p>

--- a/Themenstellung.pptx
+++ b/Themenstellung.pptx
@@ -8,10 +8,10 @@
     <p:sldMasterId id="2147483674" r:id="rId4"/>
   </p:sldMasterIdLst>
   <p:notesMasterIdLst>
-    <p:notesMasterId r:id="rId19"/>
+    <p:notesMasterId r:id="rId20"/>
   </p:notesMasterIdLst>
   <p:handoutMasterIdLst>
-    <p:handoutMasterId r:id="rId20"/>
+    <p:handoutMasterId r:id="rId21"/>
   </p:handoutMasterIdLst>
   <p:sldIdLst>
     <p:sldId id="256" r:id="rId5"/>
@@ -28,11 +28,12 @@
     <p:sldId id="267" r:id="rId16"/>
     <p:sldId id="310" r:id="rId17"/>
     <p:sldId id="266" r:id="rId18"/>
+    <p:sldId id="311" r:id="rId19"/>
   </p:sldIdLst>
   <p:sldSz cx="12192000" cy="6858000"/>
   <p:notesSz cx="6797675" cy="9926638"/>
   <p:custDataLst>
-    <p:tags r:id="rId21"/>
+    <p:tags r:id="rId22"/>
   </p:custDataLst>
   <p:defaultTextStyle>
     <a:defPPr>
@@ -5531,6 +5532,10 @@
               <a:rPr lang="en-GB" noProof="0" dirty="0" err="1"/>
               <a:t>Veranstaltung</a:t>
             </a:r>
+            <a:r>
+              <a:rPr lang="en-GB" noProof="0" dirty="0"/>
+              <a:t/>
+            </a:r>
             <a:br>
               <a:rPr lang="en-GB" noProof="0" dirty="0"/>
             </a:br>
@@ -5549,6 +5554,10 @@
             <a:r>
               <a:rPr lang="en-GB" noProof="0" dirty="0" err="1"/>
               <a:t>Fett</a:t>
+            </a:r>
+            <a:r>
+              <a:rPr lang="en-GB" noProof="0" dirty="0"/>
+              <a:t/>
             </a:r>
             <a:br>
               <a:rPr lang="en-GB" noProof="0" dirty="0"/>
@@ -5662,7 +5671,7 @@
           </p:cNvGraphicFramePr>
           <p:nvPr userDrawn="1">
             <p:custDataLst>
-              <p:tags r:id="rId1"/>
+              <p:tags r:id="rId2"/>
             </p:custDataLst>
             <p:extLst>
               <p:ext uri="{D42A27DB-BD31-4B8C-83A1-F6EECF244321}">
@@ -5679,12 +5688,12 @@
           <a:graphicData uri="http://schemas.openxmlformats.org/presentationml/2006/ole">
             <mc:AlternateContent xmlns:mc="http://schemas.openxmlformats.org/markup-compatibility/2006">
               <mc:Choice xmlns:v="urn:schemas-microsoft-com:vml" Requires="v">
-                <p:oleObj name="think-cell Folie" r:id="rId3" imgW="270" imgH="270" progId="TCLayout.ActiveDocument.1">
+                <p:oleObj spid="_x0000_s3077" name="think-cell Folie" r:id="rId4" imgW="270" imgH="270" progId="TCLayout.ActiveDocument.1">
                   <p:embed/>
                 </p:oleObj>
               </mc:Choice>
               <mc:Fallback>
-                <p:oleObj name="think-cell Folie" r:id="rId3" imgW="270" imgH="270" progId="TCLayout.ActiveDocument.1">
+                <p:oleObj name="think-cell Folie" r:id="rId4" imgW="270" imgH="270" progId="TCLayout.ActiveDocument.1">
                   <p:embed/>
                   <p:pic>
                     <p:nvPicPr>
@@ -5693,7 +5702,7 @@
                       <p:nvPr/>
                     </p:nvPicPr>
                     <p:blipFill>
-                      <a:blip r:embed="rId4"/>
+                      <a:blip r:embed="rId5"/>
                       <a:stretch>
                         <a:fillRect/>
                       </a:stretch>
@@ -5938,7 +5947,7 @@
           </p:cNvGraphicFramePr>
           <p:nvPr userDrawn="1">
             <p:custDataLst>
-              <p:tags r:id="rId1"/>
+              <p:tags r:id="rId2"/>
             </p:custDataLst>
             <p:extLst>
               <p:ext uri="{D42A27DB-BD31-4B8C-83A1-F6EECF244321}">
@@ -5955,12 +5964,12 @@
           <a:graphicData uri="http://schemas.openxmlformats.org/presentationml/2006/ole">
             <mc:AlternateContent xmlns:mc="http://schemas.openxmlformats.org/markup-compatibility/2006">
               <mc:Choice xmlns:v="urn:schemas-microsoft-com:vml" Requires="v">
-                <p:oleObj name="think-cell Folie" r:id="rId3" imgW="270" imgH="270" progId="TCLayout.ActiveDocument.1">
+                <p:oleObj spid="_x0000_s4101" name="think-cell Folie" r:id="rId4" imgW="270" imgH="270" progId="TCLayout.ActiveDocument.1">
                   <p:embed/>
                 </p:oleObj>
               </mc:Choice>
               <mc:Fallback>
-                <p:oleObj name="think-cell Folie" r:id="rId3" imgW="270" imgH="270" progId="TCLayout.ActiveDocument.1">
+                <p:oleObj name="think-cell Folie" r:id="rId4" imgW="270" imgH="270" progId="TCLayout.ActiveDocument.1">
                   <p:embed/>
                   <p:pic>
                     <p:nvPicPr>
@@ -5969,7 +5978,7 @@
                       <p:nvPr/>
                     </p:nvPicPr>
                     <p:blipFill>
-                      <a:blip r:embed="rId4"/>
+                      <a:blip r:embed="rId5"/>
                       <a:stretch>
                         <a:fillRect/>
                       </a:stretch>
@@ -6353,7 +6362,7 @@
           </p:cNvGraphicFramePr>
           <p:nvPr>
             <p:custDataLst>
-              <p:tags r:id="rId7"/>
+              <p:tags r:id="rId8"/>
             </p:custDataLst>
           </p:nvPr>
         </p:nvGraphicFramePr>
@@ -6365,12 +6374,12 @@
           <a:graphicData uri="http://schemas.openxmlformats.org/presentationml/2006/ole">
             <mc:AlternateContent xmlns:mc="http://schemas.openxmlformats.org/markup-compatibility/2006">
               <mc:Choice xmlns:v="urn:schemas-microsoft-com:vml" Requires="v">
-                <p:oleObj name="think-cell Folie" r:id="rId8" imgW="360" imgH="360" progId="TCLayout.ActiveDocument.1">
+                <p:oleObj spid="_x0000_s1029" name="think-cell Folie" r:id="rId9" imgW="360" imgH="360" progId="TCLayout.ActiveDocument.1">
                   <p:embed/>
                 </p:oleObj>
               </mc:Choice>
               <mc:Fallback>
-                <p:oleObj name="think-cell Folie" r:id="rId8" imgW="360" imgH="360" progId="TCLayout.ActiveDocument.1">
+                <p:oleObj name="think-cell Folie" r:id="rId9" imgW="360" imgH="360" progId="TCLayout.ActiveDocument.1">
                   <p:embed/>
                   <p:pic>
                     <p:nvPicPr>
@@ -6381,7 +6390,7 @@
                       <p:nvPr/>
                     </p:nvPicPr>
                     <p:blipFill>
-                      <a:blip r:embed="rId9">
+                      <a:blip r:embed="rId10">
                         <a:extLst>
                           <a:ext uri="{28A0092B-C50C-407E-A947-70E740481C1C}">
                             <a14:useLocalDpi xmlns:a14="http://schemas.microsoft.com/office/drawing/2010/main" val="0"/>
@@ -6959,7 +6968,7 @@
           <p:nvPr/>
         </p:nvPicPr>
         <p:blipFill>
-          <a:blip r:embed="rId10" cstate="print"/>
+          <a:blip r:embed="rId11" cstate="print"/>
           <a:srcRect/>
           <a:stretch>
             <a:fillRect/>
@@ -7303,7 +7312,7 @@
           </p:cNvGraphicFramePr>
           <p:nvPr userDrawn="1">
             <p:custDataLst>
-              <p:tags r:id="rId7"/>
+              <p:tags r:id="rId8"/>
             </p:custDataLst>
             <p:extLst>
               <p:ext uri="{D42A27DB-BD31-4B8C-83A1-F6EECF244321}">
@@ -7320,12 +7329,12 @@
           <a:graphicData uri="http://schemas.openxmlformats.org/presentationml/2006/ole">
             <mc:AlternateContent xmlns:mc="http://schemas.openxmlformats.org/markup-compatibility/2006">
               <mc:Choice xmlns:v="urn:schemas-microsoft-com:vml" Requires="v">
-                <p:oleObj name="think-cell Folie" r:id="rId8" imgW="270" imgH="270" progId="TCLayout.ActiveDocument.1">
+                <p:oleObj spid="_x0000_s2053" name="think-cell Folie" r:id="rId9" imgW="270" imgH="270" progId="TCLayout.ActiveDocument.1">
                   <p:embed/>
                 </p:oleObj>
               </mc:Choice>
               <mc:Fallback>
-                <p:oleObj name="think-cell Folie" r:id="rId8" imgW="270" imgH="270" progId="TCLayout.ActiveDocument.1">
+                <p:oleObj name="think-cell Folie" r:id="rId9" imgW="270" imgH="270" progId="TCLayout.ActiveDocument.1">
                   <p:embed/>
                   <p:pic>
                     <p:nvPicPr>
@@ -7334,7 +7343,7 @@
                       <p:nvPr/>
                     </p:nvPicPr>
                     <p:blipFill>
-                      <a:blip r:embed="rId9"/>
+                      <a:blip r:embed="rId10"/>
                       <a:stretch>
                         <a:fillRect/>
                       </a:stretch>
@@ -7518,7 +7527,7 @@
           <p:nvPr/>
         </p:nvPicPr>
         <p:blipFill>
-          <a:blip r:embed="rId10" cstate="print"/>
+          <a:blip r:embed="rId11" cstate="print"/>
           <a:stretch>
             <a:fillRect/>
           </a:stretch>
@@ -11372,8 +11381,17 @@
           <a:p>
             <a:r>
               <a:rPr lang="de-DE" dirty="0"/>
-              <a:t>Aachen, 04.12.2020</a:t>
-            </a:r>
+              <a:t>Aachen, </a:t>
+            </a:r>
+            <a:r>
+              <a:rPr lang="de-DE" dirty="0" smtClean="0"/>
+              <a:t>29</a:t>
+            </a:r>
+            <a:r>
+              <a:rPr lang="de-DE" dirty="0" smtClean="0"/>
+              <a:t>.03.2021</a:t>
+            </a:r>
+            <a:endParaRPr lang="de-DE" dirty="0"/>
           </a:p>
         </p:txBody>
       </p:sp>
@@ -11488,6 +11506,13 @@
   <p:clrMapOvr>
     <a:masterClrMapping/>
   </p:clrMapOvr>
+  <p:timing>
+    <p:tnLst>
+      <p:par>
+        <p:cTn id="1" dur="indefinite" restart="never" nodeType="tmRoot"/>
+      </p:par>
+    </p:tnLst>
+  </p:timing>
 </p:sld>
 </file>
 
@@ -12488,7 +12513,7 @@
               <a:p>
                 <a:pPr algn="ctr"/>
                 <a:r>
-                  <a:rPr lang="de-DE" sz="1200" dirty="0">
+                  <a:rPr lang="de-DE" sz="1100" dirty="0">
                     <a:solidFill>
                       <a:schemeClr val="bg1"/>
                     </a:solidFill>
@@ -12506,8 +12531,8 @@
             </p:nvSpPr>
             <p:spPr>
               <a:xfrm rot="5400000">
-                <a:off x="10076671" y="3842512"/>
-                <a:ext cx="862677" cy="592150"/>
+                <a:off x="10075870" y="3842513"/>
+                <a:ext cx="862678" cy="592150"/>
               </a:xfrm>
               <a:prstGeom prst="rect">
                 <a:avLst/>
@@ -12543,7 +12568,7 @@
               <a:p>
                 <a:pPr algn="ctr"/>
                 <a:r>
-                  <a:rPr lang="de-DE" sz="1200" dirty="0">
+                  <a:rPr lang="de-DE" sz="1100" dirty="0">
                     <a:solidFill>
                       <a:schemeClr val="bg1"/>
                     </a:solidFill>
@@ -13504,7 +13529,7 @@
               <a:p>
                 <a:pPr algn="ctr"/>
                 <a:r>
-                  <a:rPr lang="de-DE" sz="1200" dirty="0">
+                  <a:rPr lang="de-DE" sz="1100" dirty="0">
                     <a:solidFill>
                       <a:schemeClr val="bg1"/>
                     </a:solidFill>
@@ -13559,7 +13584,7 @@
               <a:p>
                 <a:pPr algn="ctr"/>
                 <a:r>
-                  <a:rPr lang="de-DE" sz="1200" dirty="0">
+                  <a:rPr lang="de-DE" sz="1100" dirty="0">
                     <a:solidFill>
                       <a:schemeClr val="bg1"/>
                     </a:solidFill>
@@ -14520,7 +14545,7 @@
               <a:p>
                 <a:pPr algn="ctr"/>
                 <a:r>
-                  <a:rPr lang="de-DE" sz="1200" dirty="0">
+                  <a:rPr lang="de-DE" sz="1100" dirty="0">
                     <a:solidFill>
                       <a:schemeClr val="bg1"/>
                     </a:solidFill>
@@ -14575,7 +14600,7 @@
               <a:p>
                 <a:pPr algn="ctr"/>
                 <a:r>
-                  <a:rPr lang="de-DE" sz="1200" dirty="0">
+                  <a:rPr lang="de-DE" sz="1100" dirty="0">
                     <a:solidFill>
                       <a:schemeClr val="bg1"/>
                     </a:solidFill>
@@ -15499,7 +15524,7 @@
             </p:nvSpPr>
             <p:spPr>
               <a:xfrm rot="16200000">
-                <a:off x="7877621" y="3847758"/>
+                <a:off x="7866004" y="3847758"/>
                 <a:ext cx="873170" cy="592150"/>
               </a:xfrm>
               <a:prstGeom prst="rect">
@@ -15536,7 +15561,7 @@
               <a:p>
                 <a:pPr algn="ctr"/>
                 <a:r>
-                  <a:rPr lang="de-DE" sz="1200" dirty="0">
+                  <a:rPr lang="de-DE" sz="1100" dirty="0">
                     <a:solidFill>
                       <a:schemeClr val="bg1"/>
                     </a:solidFill>
@@ -15591,13 +15616,18 @@
               <a:p>
                 <a:pPr algn="ctr"/>
                 <a:r>
-                  <a:rPr lang="de-DE" sz="1200" dirty="0">
+                  <a:rPr lang="de-DE" sz="1100" dirty="0" smtClean="0">
                     <a:solidFill>
                       <a:schemeClr val="bg1"/>
                     </a:solidFill>
                   </a:rPr>
                   <a:t>Stecker</a:t>
                 </a:r>
+                <a:endParaRPr lang="de-DE" sz="1100" dirty="0">
+                  <a:solidFill>
+                    <a:schemeClr val="bg1"/>
+                  </a:solidFill>
+                </a:endParaRPr>
               </a:p>
               <a:p>
                 <a:pPr algn="ctr"/>
@@ -16406,6 +16436,13 @@
   <p:clrMapOvr>
     <a:masterClrMapping/>
   </p:clrMapOvr>
+  <p:timing>
+    <p:tnLst>
+      <p:par>
+        <p:cTn id="1" dur="indefinite" restart="never" nodeType="tmRoot"/>
+      </p:par>
+    </p:tnLst>
+  </p:timing>
 </p:sld>
 </file>
 
@@ -16434,7 +16471,7 @@
           </p:cNvGraphicFramePr>
           <p:nvPr>
             <p:custDataLst>
-              <p:tags r:id="rId1"/>
+              <p:tags r:id="rId2"/>
             </p:custDataLst>
           </p:nvPr>
         </p:nvGraphicFramePr>
@@ -16446,12 +16483,12 @@
           <a:graphicData uri="http://schemas.openxmlformats.org/presentationml/2006/ole">
             <mc:AlternateContent xmlns:mc="http://schemas.openxmlformats.org/markup-compatibility/2006">
               <mc:Choice xmlns:v="urn:schemas-microsoft-com:vml" Requires="v">
-                <p:oleObj name="think-cell Folie" r:id="rId4" imgW="360" imgH="360" progId="TCLayout.ActiveDocument.1">
+                <p:oleObj spid="_x0000_s8197" name="think-cell Folie" r:id="rId5" imgW="360" imgH="360" progId="TCLayout.ActiveDocument.1">
                   <p:embed/>
                 </p:oleObj>
               </mc:Choice>
               <mc:Fallback>
-                <p:oleObj name="think-cell Folie" r:id="rId4" imgW="360" imgH="360" progId="TCLayout.ActiveDocument.1">
+                <p:oleObj name="think-cell Folie" r:id="rId5" imgW="360" imgH="360" progId="TCLayout.ActiveDocument.1">
                   <p:embed/>
                   <p:pic>
                     <p:nvPicPr>
@@ -16462,7 +16499,7 @@
                       <p:nvPr/>
                     </p:nvPicPr>
                     <p:blipFill>
-                      <a:blip r:embed="rId5">
+                      <a:blip r:embed="rId6">
                         <a:extLst>
                           <a:ext uri="{28A0092B-C50C-407E-A947-70E740481C1C}">
                             <a14:useLocalDpi xmlns:a14="http://schemas.microsoft.com/office/drawing/2010/main" val="0"/>
@@ -16915,6 +16952,13 @@
   <p:clrMapOvr>
     <a:masterClrMapping/>
   </p:clrMapOvr>
+  <p:timing>
+    <p:tnLst>
+      <p:par>
+        <p:cTn id="1" dur="indefinite" restart="never" nodeType="tmRoot"/>
+      </p:par>
+    </p:tnLst>
+  </p:timing>
 </p:sld>
 </file>
 
@@ -16943,7 +16987,7 @@
           </p:cNvGraphicFramePr>
           <p:nvPr>
             <p:custDataLst>
-              <p:tags r:id="rId1"/>
+              <p:tags r:id="rId2"/>
             </p:custDataLst>
           </p:nvPr>
         </p:nvGraphicFramePr>
@@ -16955,12 +16999,12 @@
           <a:graphicData uri="http://schemas.openxmlformats.org/presentationml/2006/ole">
             <mc:AlternateContent xmlns:mc="http://schemas.openxmlformats.org/markup-compatibility/2006">
               <mc:Choice xmlns:v="urn:schemas-microsoft-com:vml" Requires="v">
-                <p:oleObj name="think-cell Folie" r:id="rId4" imgW="360" imgH="360" progId="TCLayout.ActiveDocument.1">
+                <p:oleObj spid="_x0000_s9221" name="think-cell Folie" r:id="rId5" imgW="360" imgH="360" progId="TCLayout.ActiveDocument.1">
                   <p:embed/>
                 </p:oleObj>
               </mc:Choice>
               <mc:Fallback>
-                <p:oleObj name="think-cell Folie" r:id="rId4" imgW="360" imgH="360" progId="TCLayout.ActiveDocument.1">
+                <p:oleObj name="think-cell Folie" r:id="rId5" imgW="360" imgH="360" progId="TCLayout.ActiveDocument.1">
                   <p:embed/>
                   <p:pic>
                     <p:nvPicPr>
@@ -16971,7 +17015,7 @@
                       <p:nvPr/>
                     </p:nvPicPr>
                     <p:blipFill>
-                      <a:blip r:embed="rId5">
+                      <a:blip r:embed="rId6">
                         <a:extLst>
                           <a:ext uri="{28A0092B-C50C-407E-A947-70E740481C1C}">
                             <a14:useLocalDpi xmlns:a14="http://schemas.microsoft.com/office/drawing/2010/main" val="0"/>
@@ -17380,6 +17424,120 @@
   <p:clrMapOvr>
     <a:masterClrMapping/>
   </p:clrMapOvr>
+  <p:timing>
+    <p:tnLst>
+      <p:par>
+        <p:cTn id="1" dur="indefinite" restart="never" nodeType="tmRoot"/>
+      </p:par>
+    </p:tnLst>
+  </p:timing>
+</p:sld>
+</file>
+
+<file path=ppt/slides/slide15.xml><?xml version="1.0" encoding="utf-8"?>
+<p:sld xmlns:a="http://schemas.openxmlformats.org/drawingml/2006/main" xmlns:r="http://schemas.openxmlformats.org/officeDocument/2006/relationships" xmlns:p="http://schemas.openxmlformats.org/presentationml/2006/main">
+  <p:cSld>
+    <p:spTree>
+      <p:nvGrpSpPr>
+        <p:cNvPr id="1" name=""/>
+        <p:cNvGrpSpPr/>
+        <p:nvPr/>
+      </p:nvGrpSpPr>
+      <p:grpSpPr>
+        <a:xfrm>
+          <a:off x="0" y="0"/>
+          <a:ext cx="0" cy="0"/>
+          <a:chOff x="0" y="0"/>
+          <a:chExt cx="0" cy="0"/>
+        </a:xfrm>
+      </p:grpSpPr>
+      <p:sp>
+        <p:nvSpPr>
+          <p:cNvPr id="2" name="Textplatzhalter 1"/>
+          <p:cNvSpPr>
+            <a:spLocks noGrp="1"/>
+          </p:cNvSpPr>
+          <p:nvPr>
+            <p:ph type="body" sz="quarter" idx="12"/>
+          </p:nvPr>
+        </p:nvSpPr>
+        <p:spPr/>
+        <p:txBody>
+          <a:bodyPr/>
+          <a:lstStyle/>
+          <a:p>
+            <a:r>
+              <a:rPr lang="de-DE" dirty="0" smtClean="0"/>
+              <a:t>Gergely Bilkei-Gorzo </a:t>
+            </a:r>
+            <a:r>
+              <a:rPr lang="de-DE" dirty="0" err="1" smtClean="0"/>
+              <a:t>M.Sc</a:t>
+            </a:r>
+            <a:r>
+              <a:rPr lang="de-DE" dirty="0" smtClean="0"/>
+              <a:t>.</a:t>
+            </a:r>
+            <a:endParaRPr lang="de-DE" dirty="0"/>
+          </a:p>
+        </p:txBody>
+      </p:sp>
+      <p:sp>
+        <p:nvSpPr>
+          <p:cNvPr id="3" name="Textplatzhalter 2"/>
+          <p:cNvSpPr>
+            <a:spLocks noGrp="1"/>
+          </p:cNvSpPr>
+          <p:nvPr>
+            <p:ph type="body" sz="quarter" idx="13"/>
+          </p:nvPr>
+        </p:nvSpPr>
+        <p:spPr/>
+        <p:txBody>
+          <a:bodyPr/>
+          <a:lstStyle/>
+          <a:p>
+            <a:r>
+              <a:rPr lang="de-DE" dirty="0" smtClean="0"/>
+              <a:t>+49 241 80 25631</a:t>
+            </a:r>
+          </a:p>
+          <a:p>
+            <a:r>
+              <a:rPr lang="de-DE" dirty="0"/>
+              <a:t>+49 241 80 </a:t>
+            </a:r>
+            <a:r>
+              <a:rPr lang="de-DE" dirty="0" smtClean="0"/>
+              <a:t>22147</a:t>
+            </a:r>
+          </a:p>
+          <a:p>
+            <a:endParaRPr lang="de-DE" dirty="0"/>
+          </a:p>
+          <a:p>
+            <a:r>
+              <a:rPr lang="de-DE" dirty="0"/>
+              <a:t>g</a:t>
+            </a:r>
+            <a:r>
+              <a:rPr lang="de-DE" dirty="0" smtClean="0"/>
+              <a:t>ergely.bilkei-gorzo@ika.rwth-aachen.de</a:t>
+            </a:r>
+            <a:endParaRPr lang="de-DE" dirty="0"/>
+          </a:p>
+        </p:txBody>
+      </p:sp>
+    </p:spTree>
+    <p:extLst>
+      <p:ext uri="{BB962C8B-B14F-4D97-AF65-F5344CB8AC3E}">
+        <p14:creationId xmlns:p14="http://schemas.microsoft.com/office/powerpoint/2010/main" val="1203443502"/>
+      </p:ext>
+    </p:extLst>
+  </p:cSld>
+  <p:clrMapOvr>
+    <a:masterClrMapping/>
+  </p:clrMapOvr>
 </p:sld>
 </file>
 
@@ -17408,7 +17566,7 @@
           </p:cNvGraphicFramePr>
           <p:nvPr>
             <p:custDataLst>
-              <p:tags r:id="rId1"/>
+              <p:tags r:id="rId2"/>
             </p:custDataLst>
           </p:nvPr>
         </p:nvGraphicFramePr>
@@ -17420,12 +17578,12 @@
           <a:graphicData uri="http://schemas.openxmlformats.org/presentationml/2006/ole">
             <mc:AlternateContent xmlns:mc="http://schemas.openxmlformats.org/markup-compatibility/2006">
               <mc:Choice xmlns:v="urn:schemas-microsoft-com:vml" Requires="v">
-                <p:oleObj name="think-cell Folie" r:id="rId4" imgW="360" imgH="360" progId="TCLayout.ActiveDocument.1">
+                <p:oleObj spid="_x0000_s5125" name="think-cell Folie" r:id="rId5" imgW="360" imgH="360" progId="TCLayout.ActiveDocument.1">
                   <p:embed/>
                 </p:oleObj>
               </mc:Choice>
               <mc:Fallback>
-                <p:oleObj name="think-cell Folie" r:id="rId4" imgW="360" imgH="360" progId="TCLayout.ActiveDocument.1">
+                <p:oleObj name="think-cell Folie" r:id="rId5" imgW="360" imgH="360" progId="TCLayout.ActiveDocument.1">
                   <p:embed/>
                   <p:pic>
                     <p:nvPicPr>
@@ -17436,7 +17594,7 @@
                       <p:nvPr/>
                     </p:nvPicPr>
                     <p:blipFill>
-                      <a:blip r:embed="rId5">
+                      <a:blip r:embed="rId6">
                         <a:extLst>
                           <a:ext uri="{28A0092B-C50C-407E-A947-70E740481C1C}">
                             <a14:useLocalDpi xmlns:a14="http://schemas.microsoft.com/office/drawing/2010/main" val="0"/>
@@ -17795,12 +17953,16 @@
           </a:p>
           <a:p>
             <a:r>
-              <a:rPr lang="de-DE" sz="1400" dirty="0" err="1"/>
+              <a:rPr lang="de-DE" sz="1400" dirty="0" err="1" smtClean="0"/>
               <a:t>M.Sc</a:t>
             </a:r>
             <a:r>
+              <a:rPr lang="de-DE" sz="1400" dirty="0" smtClean="0"/>
+              <a:t>. </a:t>
+            </a:r>
+            <a:r>
               <a:rPr lang="de-DE" sz="1400" dirty="0"/>
-              <a:t> RWTH Aachen</a:t>
+              <a:t>RWTH Aachen</a:t>
             </a:r>
           </a:p>
           <a:p>
@@ -18123,8 +18285,8 @@
               <a:t>BCS </a:t>
             </a:r>
             <a:r>
-              <a:rPr lang="de-DE" sz="1600" dirty="0" err="1"/>
-              <a:t>Sidestick</a:t>
+              <a:rPr lang="de-DE" sz="1600" dirty="0" err="1" smtClean="0"/>
+              <a:t>Smartstick</a:t>
             </a:r>
             <a:endParaRPr lang="de-DE" sz="1600" dirty="0"/>
           </a:p>
@@ -18158,6 +18320,13 @@
   <p:clrMapOvr>
     <a:masterClrMapping/>
   </p:clrMapOvr>
+  <p:timing>
+    <p:tnLst>
+      <p:par>
+        <p:cTn id="1" dur="indefinite" restart="never" nodeType="tmRoot"/>
+      </p:par>
+    </p:tnLst>
+  </p:timing>
 </p:sld>
 </file>
 
@@ -18186,7 +18355,7 @@
           </p:cNvGraphicFramePr>
           <p:nvPr>
             <p:custDataLst>
-              <p:tags r:id="rId1"/>
+              <p:tags r:id="rId2"/>
             </p:custDataLst>
           </p:nvPr>
         </p:nvGraphicFramePr>
@@ -18198,12 +18367,12 @@
           <a:graphicData uri="http://schemas.openxmlformats.org/presentationml/2006/ole">
             <mc:AlternateContent xmlns:mc="http://schemas.openxmlformats.org/markup-compatibility/2006">
               <mc:Choice xmlns:v="urn:schemas-microsoft-com:vml" Requires="v">
-                <p:oleObj name="think-cell Folie" r:id="rId4" imgW="360" imgH="360" progId="TCLayout.ActiveDocument.1">
+                <p:oleObj spid="_x0000_s6149" name="think-cell Folie" r:id="rId5" imgW="360" imgH="360" progId="TCLayout.ActiveDocument.1">
                   <p:embed/>
                 </p:oleObj>
               </mc:Choice>
               <mc:Fallback>
-                <p:oleObj name="think-cell Folie" r:id="rId4" imgW="360" imgH="360" progId="TCLayout.ActiveDocument.1">
+                <p:oleObj name="think-cell Folie" r:id="rId5" imgW="360" imgH="360" progId="TCLayout.ActiveDocument.1">
                   <p:embed/>
                   <p:pic>
                     <p:nvPicPr>
@@ -18214,7 +18383,7 @@
                       <p:nvPr/>
                     </p:nvPicPr>
                     <p:blipFill>
-                      <a:blip r:embed="rId5">
+                      <a:blip r:embed="rId6">
                         <a:extLst>
                           <a:ext uri="{28A0092B-C50C-407E-A947-70E740481C1C}">
                             <a14:useLocalDpi xmlns:a14="http://schemas.microsoft.com/office/drawing/2010/main" val="0"/>
@@ -19408,6 +19577,13 @@
   <p:clrMapOvr>
     <a:masterClrMapping/>
   </p:clrMapOvr>
+  <p:timing>
+    <p:tnLst>
+      <p:par>
+        <p:cTn id="1" dur="indefinite" restart="never" nodeType="tmRoot"/>
+      </p:par>
+    </p:tnLst>
+  </p:timing>
 </p:sld>
 </file>
 
@@ -19436,7 +19612,7 @@
           </p:cNvGraphicFramePr>
           <p:nvPr>
             <p:custDataLst>
-              <p:tags r:id="rId1"/>
+              <p:tags r:id="rId2"/>
             </p:custDataLst>
           </p:nvPr>
         </p:nvGraphicFramePr>
@@ -19448,12 +19624,12 @@
           <a:graphicData uri="http://schemas.openxmlformats.org/presentationml/2006/ole">
             <mc:AlternateContent xmlns:mc="http://schemas.openxmlformats.org/markup-compatibility/2006">
               <mc:Choice xmlns:v="urn:schemas-microsoft-com:vml" Requires="v">
-                <p:oleObj name="think-cell Folie" r:id="rId4" imgW="360" imgH="360" progId="TCLayout.ActiveDocument.1">
+                <p:oleObj spid="_x0000_s7173" name="think-cell Folie" r:id="rId5" imgW="360" imgH="360" progId="TCLayout.ActiveDocument.1">
                   <p:embed/>
                 </p:oleObj>
               </mc:Choice>
               <mc:Fallback>
-                <p:oleObj name="think-cell Folie" r:id="rId4" imgW="360" imgH="360" progId="TCLayout.ActiveDocument.1">
+                <p:oleObj name="think-cell Folie" r:id="rId5" imgW="360" imgH="360" progId="TCLayout.ActiveDocument.1">
                   <p:embed/>
                   <p:pic>
                     <p:nvPicPr>
@@ -19464,7 +19640,7 @@
                       <p:nvPr/>
                     </p:nvPicPr>
                     <p:blipFill>
-                      <a:blip r:embed="rId5">
+                      <a:blip r:embed="rId6">
                         <a:extLst>
                           <a:ext uri="{28A0092B-C50C-407E-A947-70E740481C1C}">
                             <a14:useLocalDpi xmlns:a14="http://schemas.microsoft.com/office/drawing/2010/main" val="0"/>
@@ -23248,6 +23424,13 @@
   <p:clrMapOvr>
     <a:masterClrMapping/>
   </p:clrMapOvr>
+  <p:timing>
+    <p:tnLst>
+      <p:par>
+        <p:cTn id="1" dur="indefinite" restart="never" nodeType="tmRoot"/>
+      </p:par>
+    </p:tnLst>
+  </p:timing>
 </p:sld>
 </file>
 
@@ -23631,9 +23814,17 @@
           <a:p>
             <a:pPr lvl="3"/>
             <a:r>
-              <a:rPr lang="de-DE" dirty="0"/>
+              <a:rPr lang="de-DE" dirty="0" smtClean="0"/>
               <a:t>Aktiv/Inaktiv</a:t>
             </a:r>
+          </a:p>
+          <a:p>
+            <a:pPr lvl="3"/>
+            <a:r>
+              <a:rPr lang="de-DE" dirty="0" smtClean="0"/>
+              <a:t>Fehlerstatus</a:t>
+            </a:r>
+            <a:endParaRPr lang="de-DE" dirty="0"/>
           </a:p>
           <a:p>
             <a:pPr lvl="2"/>
@@ -23659,9 +23850,17 @@
           <a:p>
             <a:pPr lvl="3"/>
             <a:r>
-              <a:rPr lang="de-DE" dirty="0"/>
+              <a:rPr lang="de-DE" dirty="0" smtClean="0"/>
               <a:t>Aktiv/Inaktiv</a:t>
             </a:r>
+          </a:p>
+          <a:p>
+            <a:pPr lvl="3"/>
+            <a:r>
+              <a:rPr lang="de-DE" dirty="0" smtClean="0"/>
+              <a:t>Fehlerstatus</a:t>
+            </a:r>
+            <a:endParaRPr lang="de-DE" dirty="0"/>
           </a:p>
           <a:p>
             <a:pPr lvl="3"/>
@@ -23684,7 +23883,7 @@
         <p:spPr>
           <a:xfrm>
             <a:off x="240164" y="732848"/>
-            <a:ext cx="6186309" cy="369332"/>
+            <a:ext cx="7237879" cy="369332"/>
           </a:xfrm>
           <a:prstGeom prst="rect">
             <a:avLst/>
@@ -23698,12 +23897,20 @@
           <a:lstStyle/>
           <a:p>
             <a:r>
+              <a:rPr lang="de-DE" b="1" dirty="0" smtClean="0">
+                <a:solidFill>
+                  <a:schemeClr val="bg2"/>
+                </a:solidFill>
+              </a:rPr>
+              <a:t>Software: Definition </a:t>
+            </a:r>
+            <a:r>
               <a:rPr lang="de-DE" b="1" dirty="0">
                 <a:solidFill>
                   <a:schemeClr val="bg2"/>
                 </a:solidFill>
               </a:rPr>
-              <a:t>Definition der Kommunikation zwischen Komponenten</a:t>
+              <a:t>der Kommunikation zwischen Komponenten</a:t>
             </a:r>
             <a:endParaRPr lang="LID4096" b="1" dirty="0">
               <a:solidFill>
@@ -23728,7 +23935,7 @@
         <p:spPr>
           <a:xfrm>
             <a:off x="618084" y="1556792"/>
-            <a:ext cx="5063748" cy="4032448"/>
+            <a:ext cx="5063748" cy="4608512"/>
           </a:xfrm>
           <a:prstGeom prst="rect">
             <a:avLst/>
@@ -23784,7 +23991,7 @@
         <p:spPr>
           <a:xfrm>
             <a:off x="6586925" y="1556792"/>
-            <a:ext cx="5063748" cy="4032448"/>
+            <a:ext cx="5063748" cy="4608512"/>
           </a:xfrm>
           <a:prstGeom prst="rect">
             <a:avLst/>
@@ -23835,6 +24042,13 @@
   <p:clrMapOvr>
     <a:masterClrMapping/>
   </p:clrMapOvr>
+  <p:timing>
+    <p:tnLst>
+      <p:par>
+        <p:cTn id="1" dur="indefinite" restart="never" nodeType="tmRoot"/>
+      </p:par>
+    </p:tnLst>
+  </p:timing>
 </p:sld>
 </file>
 
@@ -24193,7 +24407,7 @@
         <p:spPr>
           <a:xfrm>
             <a:off x="240164" y="732848"/>
-            <a:ext cx="1428596" cy="369332"/>
+            <a:ext cx="2544286" cy="369332"/>
           </a:xfrm>
           <a:prstGeom prst="rect">
             <a:avLst/>
@@ -24207,12 +24421,12 @@
           <a:lstStyle/>
           <a:p>
             <a:r>
-              <a:rPr lang="de-DE" b="1" dirty="0">
+              <a:rPr lang="de-DE" b="1" dirty="0" smtClean="0">
                 <a:solidFill>
                   <a:schemeClr val="bg2"/>
                 </a:solidFill>
               </a:rPr>
-              <a:t>Funktionen</a:t>
+              <a:t>Software: Funktionen</a:t>
             </a:r>
             <a:endParaRPr lang="LID4096" b="1" dirty="0">
               <a:solidFill>
@@ -24290,6 +24504,13 @@
   <p:clrMapOvr>
     <a:masterClrMapping/>
   </p:clrMapOvr>
+  <p:timing>
+    <p:tnLst>
+      <p:par>
+        <p:cTn id="1" dur="indefinite" restart="never" nodeType="tmRoot"/>
+      </p:par>
+    </p:tnLst>
+  </p:timing>
 </p:sld>
 </file>
 
